--- a/5_Architecture/Architecture_And_More.pptx
+++ b/5_Architecture/Architecture_And_More.pptx
@@ -245,7 +245,7 @@
           <a:p>
             <a:fld id="{F22989BA-3C5F-4F80-A9D7-D27839801F77}" type="datetimeFigureOut">
               <a:rPr lang="sv-SE" smtClean="0"/>
-              <a:t>2017-01-17</a:t>
+              <a:t>2017-01-19</a:t>
             </a:fld>
             <a:endParaRPr lang="sv-SE"/>
           </a:p>
@@ -910,7 +910,7 @@
             <a:fld id="{1D8BD707-D9CF-40AE-B4C6-C98DA3205C09}" type="datetimeFigureOut">
               <a:rPr lang="en-US" smtClean="0"/>
               <a:pPr/>
-              <a:t>1/17/2017</a:t>
+              <a:t>1/19/2017</a:t>
             </a:fld>
             <a:endParaRPr lang="en-US"/>
           </a:p>
@@ -1077,7 +1077,7 @@
             <a:fld id="{1D8BD707-D9CF-40AE-B4C6-C98DA3205C09}" type="datetimeFigureOut">
               <a:rPr lang="en-US" smtClean="0"/>
               <a:pPr/>
-              <a:t>1/17/2017</a:t>
+              <a:t>1/19/2017</a:t>
             </a:fld>
             <a:endParaRPr lang="en-US"/>
           </a:p>
@@ -1254,7 +1254,7 @@
             <a:fld id="{1D8BD707-D9CF-40AE-B4C6-C98DA3205C09}" type="datetimeFigureOut">
               <a:rPr lang="en-US" smtClean="0"/>
               <a:pPr/>
-              <a:t>1/17/2017</a:t>
+              <a:t>1/19/2017</a:t>
             </a:fld>
             <a:endParaRPr lang="en-US"/>
           </a:p>
@@ -1421,7 +1421,7 @@
             <a:fld id="{1D8BD707-D9CF-40AE-B4C6-C98DA3205C09}" type="datetimeFigureOut">
               <a:rPr lang="en-US" smtClean="0"/>
               <a:pPr/>
-              <a:t>1/17/2017</a:t>
+              <a:t>1/19/2017</a:t>
             </a:fld>
             <a:endParaRPr lang="en-US"/>
           </a:p>
@@ -1664,7 +1664,7 @@
             <a:fld id="{1D8BD707-D9CF-40AE-B4C6-C98DA3205C09}" type="datetimeFigureOut">
               <a:rPr lang="en-US" smtClean="0"/>
               <a:pPr/>
-              <a:t>1/17/2017</a:t>
+              <a:t>1/19/2017</a:t>
             </a:fld>
             <a:endParaRPr lang="en-US"/>
           </a:p>
@@ -1949,7 +1949,7 @@
             <a:fld id="{1D8BD707-D9CF-40AE-B4C6-C98DA3205C09}" type="datetimeFigureOut">
               <a:rPr lang="en-US" smtClean="0"/>
               <a:pPr/>
-              <a:t>1/17/2017</a:t>
+              <a:t>1/19/2017</a:t>
             </a:fld>
             <a:endParaRPr lang="en-US"/>
           </a:p>
@@ -2368,7 +2368,7 @@
             <a:fld id="{1D8BD707-D9CF-40AE-B4C6-C98DA3205C09}" type="datetimeFigureOut">
               <a:rPr lang="en-US" smtClean="0"/>
               <a:pPr/>
-              <a:t>1/17/2017</a:t>
+              <a:t>1/19/2017</a:t>
             </a:fld>
             <a:endParaRPr lang="en-US"/>
           </a:p>
@@ -2483,7 +2483,7 @@
             <a:fld id="{1D8BD707-D9CF-40AE-B4C6-C98DA3205C09}" type="datetimeFigureOut">
               <a:rPr lang="en-US" smtClean="0"/>
               <a:pPr/>
-              <a:t>1/17/2017</a:t>
+              <a:t>1/19/2017</a:t>
             </a:fld>
             <a:endParaRPr lang="en-US"/>
           </a:p>
@@ -2575,7 +2575,7 @@
             <a:fld id="{1D8BD707-D9CF-40AE-B4C6-C98DA3205C09}" type="datetimeFigureOut">
               <a:rPr lang="en-US" smtClean="0"/>
               <a:pPr/>
-              <a:t>1/17/2017</a:t>
+              <a:t>1/19/2017</a:t>
             </a:fld>
             <a:endParaRPr lang="en-US"/>
           </a:p>
@@ -2849,7 +2849,7 @@
             <a:fld id="{1D8BD707-D9CF-40AE-B4C6-C98DA3205C09}" type="datetimeFigureOut">
               <a:rPr lang="en-US" smtClean="0"/>
               <a:pPr/>
-              <a:t>1/17/2017</a:t>
+              <a:t>1/19/2017</a:t>
             </a:fld>
             <a:endParaRPr lang="en-US"/>
           </a:p>
@@ -3099,7 +3099,7 @@
             <a:fld id="{1D8BD707-D9CF-40AE-B4C6-C98DA3205C09}" type="datetimeFigureOut">
               <a:rPr lang="en-US" smtClean="0"/>
               <a:pPr/>
-              <a:t>1/17/2017</a:t>
+              <a:t>1/19/2017</a:t>
             </a:fld>
             <a:endParaRPr lang="en-US"/>
           </a:p>
@@ -3309,7 +3309,7 @@
             <a:fld id="{1D8BD707-D9CF-40AE-B4C6-C98DA3205C09}" type="datetimeFigureOut">
               <a:rPr lang="en-US" smtClean="0"/>
               <a:pPr/>
-              <a:t>1/17/2017</a:t>
+              <a:t>1/19/2017</a:t>
             </a:fld>
             <a:endParaRPr lang="en-US"/>
           </a:p>
@@ -3699,7 +3699,6 @@
               <a:rPr lang="sv-SE" dirty="0"/>
               <a:t>Architecture_And_More</a:t>
             </a:r>
-            <a:endParaRPr lang="sv-SE" dirty="0"/>
           </a:p>
         </p:txBody>
       </p:sp>
@@ -3964,11 +3963,11 @@
   <p:clrMapOvr>
     <a:masterClrMapping/>
   </p:clrMapOvr>
-  <mc:AlternateContent xmlns:mc="http://schemas.openxmlformats.org/markup-compatibility/2006">
-    <mc:Choice xmlns:p14="http://schemas.microsoft.com/office/powerpoint/2010/main" Requires="p14">
+  <mc:AlternateContent xmlns:mc="http://schemas.openxmlformats.org/markup-compatibility/2006" xmlns:p14="http://schemas.microsoft.com/office/powerpoint/2010/main">
+    <mc:Choice Requires="p14">
       <p:transition spd="slow" p14:dur="2000"/>
     </mc:Choice>
-    <mc:Fallback>
+    <mc:Fallback xmlns="">
       <p:transition spd="slow"/>
     </mc:Fallback>
   </mc:AlternateContent>
@@ -4157,11 +4156,11 @@
   <p:clrMapOvr>
     <a:masterClrMapping/>
   </p:clrMapOvr>
-  <mc:AlternateContent xmlns:mc="http://schemas.openxmlformats.org/markup-compatibility/2006">
-    <mc:Choice xmlns:p14="http://schemas.microsoft.com/office/powerpoint/2010/main" Requires="p14">
+  <mc:AlternateContent xmlns:mc="http://schemas.openxmlformats.org/markup-compatibility/2006" xmlns:p14="http://schemas.microsoft.com/office/powerpoint/2010/main">
+    <mc:Choice Requires="p14">
       <p:transition spd="slow" p14:dur="2000"/>
     </mc:Choice>
-    <mc:Fallback>
+    <mc:Fallback xmlns="">
       <p:transition spd="slow"/>
     </mc:Fallback>
   </mc:AlternateContent>
@@ -4340,7 +4339,7 @@
       </p:sp>
       <p:pic>
         <p:nvPicPr>
-          <p:cNvPr id="4" name="Picture 2"/>
+          <p:cNvPr id="2051" name="Picture 3"/>
           <p:cNvPicPr>
             <a:picLocks noGrp="1" noChangeAspect="1" noChangeArrowheads="1"/>
           </p:cNvPicPr>
@@ -4363,8 +4362,8 @@
         </p:blipFill>
         <p:spPr bwMode="auto">
           <a:xfrm>
-            <a:off x="457200" y="1879426"/>
-            <a:ext cx="8229600" cy="3967511"/>
+            <a:off x="457200" y="2024217"/>
+            <a:ext cx="8229600" cy="3677929"/>
           </a:xfrm>
           <a:prstGeom prst="rect">
             <a:avLst/>
@@ -5355,7 +5354,7 @@
           <a:graphicData uri="http://schemas.openxmlformats.org/presentationml/2006/ole">
             <mc:AlternateContent xmlns:mc="http://schemas.openxmlformats.org/markup-compatibility/2006">
               <mc:Choice xmlns:v="urn:schemas-microsoft-com:vml" Requires="v">
-                <p:oleObj spid="_x0000_s1051" r:id="rId3" imgW="9255443" imgH="6012180" progId="ABCFlow">
+                <p:oleObj spid="_x0000_s1054" r:id="rId3" imgW="9255443" imgH="6012180" progId="ABCFlow">
                   <p:embed/>
                 </p:oleObj>
               </mc:Choice>
@@ -6050,7 +6049,7 @@
                   <a:srgbClr val="000000"/>
                 </a:solidFill>
               </a:rPr>
-              <a:t>17/01/2017</a:t>
+              <a:t>19/01/2017</a:t>
             </a:fld>
             <a:endParaRPr lang="en-US" dirty="0">
               <a:solidFill>
@@ -6808,7 +6807,7 @@
                   <a:srgbClr val="000000"/>
                 </a:solidFill>
               </a:rPr>
-              <a:t>17/01/2017</a:t>
+              <a:t>19/01/2017</a:t>
             </a:fld>
             <a:endParaRPr lang="en-US" dirty="0">
               <a:solidFill>
@@ -10582,7 +10581,7 @@
                   <a:srgbClr val="000000"/>
                 </a:solidFill>
               </a:rPr>
-              <a:t>17/01/2017</a:t>
+              <a:t>19/01/2017</a:t>
             </a:fld>
             <a:endParaRPr lang="en-US" dirty="0">
               <a:solidFill>

--- a/5_Architecture/Architecture_And_More.pptx
+++ b/5_Architecture/Architecture_And_More.pptx
@@ -9,10 +9,10 @@
   </p:notesMasterIdLst>
   <p:sldIdLst>
     <p:sldId id="256" r:id="rId2"/>
-    <p:sldId id="271" r:id="rId3"/>
-    <p:sldId id="276" r:id="rId4"/>
-    <p:sldId id="275" r:id="rId5"/>
-    <p:sldId id="277" r:id="rId6"/>
+    <p:sldId id="281" r:id="rId3"/>
+    <p:sldId id="280" r:id="rId4"/>
+    <p:sldId id="277" r:id="rId5"/>
+    <p:sldId id="271" r:id="rId6"/>
     <p:sldId id="272" r:id="rId7"/>
     <p:sldId id="278" r:id="rId8"/>
     <p:sldId id="273" r:id="rId9"/>
@@ -132,10 +132,10 @@
         <p14:section name="Default Section" id="{B3A28461-2A8D-4B7C-9557-3C5E3A7C722B}">
           <p14:sldIdLst>
             <p14:sldId id="256"/>
+            <p14:sldId id="281"/>
+            <p14:sldId id="280"/>
+            <p14:sldId id="277"/>
             <p14:sldId id="271"/>
-            <p14:sldId id="276"/>
-            <p14:sldId id="275"/>
-            <p14:sldId id="277"/>
             <p14:sldId id="272"/>
             <p14:sldId id="278"/>
             <p14:sldId id="273"/>
@@ -245,7 +245,7 @@
           <a:p>
             <a:fld id="{F22989BA-3C5F-4F80-A9D7-D27839801F77}" type="datetimeFigureOut">
               <a:rPr lang="sv-SE" smtClean="0"/>
-              <a:t>2017-01-19</a:t>
+              <a:t>2017-02-08</a:t>
             </a:fld>
             <a:endParaRPr lang="sv-SE"/>
           </a:p>
@@ -710,7 +710,7 @@
                   <a:spcPct val="0"/>
                 </a:spcBef>
               </a:pPr>
-              <a:t>4</a:t>
+              <a:t>3</a:t>
             </a:fld>
             <a:endParaRPr lang="sv-SE" altLang="en-US" smtClean="0">
               <a:solidFill>
@@ -910,7 +910,7 @@
             <a:fld id="{1D8BD707-D9CF-40AE-B4C6-C98DA3205C09}" type="datetimeFigureOut">
               <a:rPr lang="en-US" smtClean="0"/>
               <a:pPr/>
-              <a:t>1/19/2017</a:t>
+              <a:t>2/8/2017</a:t>
             </a:fld>
             <a:endParaRPr lang="en-US"/>
           </a:p>
@@ -1077,7 +1077,7 @@
             <a:fld id="{1D8BD707-D9CF-40AE-B4C6-C98DA3205C09}" type="datetimeFigureOut">
               <a:rPr lang="en-US" smtClean="0"/>
               <a:pPr/>
-              <a:t>1/19/2017</a:t>
+              <a:t>2/8/2017</a:t>
             </a:fld>
             <a:endParaRPr lang="en-US"/>
           </a:p>
@@ -1254,7 +1254,7 @@
             <a:fld id="{1D8BD707-D9CF-40AE-B4C6-C98DA3205C09}" type="datetimeFigureOut">
               <a:rPr lang="en-US" smtClean="0"/>
               <a:pPr/>
-              <a:t>1/19/2017</a:t>
+              <a:t>2/8/2017</a:t>
             </a:fld>
             <a:endParaRPr lang="en-US"/>
           </a:p>
@@ -1421,7 +1421,7 @@
             <a:fld id="{1D8BD707-D9CF-40AE-B4C6-C98DA3205C09}" type="datetimeFigureOut">
               <a:rPr lang="en-US" smtClean="0"/>
               <a:pPr/>
-              <a:t>1/19/2017</a:t>
+              <a:t>2/8/2017</a:t>
             </a:fld>
             <a:endParaRPr lang="en-US"/>
           </a:p>
@@ -1664,7 +1664,7 @@
             <a:fld id="{1D8BD707-D9CF-40AE-B4C6-C98DA3205C09}" type="datetimeFigureOut">
               <a:rPr lang="en-US" smtClean="0"/>
               <a:pPr/>
-              <a:t>1/19/2017</a:t>
+              <a:t>2/8/2017</a:t>
             </a:fld>
             <a:endParaRPr lang="en-US"/>
           </a:p>
@@ -1949,7 +1949,7 @@
             <a:fld id="{1D8BD707-D9CF-40AE-B4C6-C98DA3205C09}" type="datetimeFigureOut">
               <a:rPr lang="en-US" smtClean="0"/>
               <a:pPr/>
-              <a:t>1/19/2017</a:t>
+              <a:t>2/8/2017</a:t>
             </a:fld>
             <a:endParaRPr lang="en-US"/>
           </a:p>
@@ -2368,7 +2368,7 @@
             <a:fld id="{1D8BD707-D9CF-40AE-B4C6-C98DA3205C09}" type="datetimeFigureOut">
               <a:rPr lang="en-US" smtClean="0"/>
               <a:pPr/>
-              <a:t>1/19/2017</a:t>
+              <a:t>2/8/2017</a:t>
             </a:fld>
             <a:endParaRPr lang="en-US"/>
           </a:p>
@@ -2483,7 +2483,7 @@
             <a:fld id="{1D8BD707-D9CF-40AE-B4C6-C98DA3205C09}" type="datetimeFigureOut">
               <a:rPr lang="en-US" smtClean="0"/>
               <a:pPr/>
-              <a:t>1/19/2017</a:t>
+              <a:t>2/8/2017</a:t>
             </a:fld>
             <a:endParaRPr lang="en-US"/>
           </a:p>
@@ -2575,7 +2575,7 @@
             <a:fld id="{1D8BD707-D9CF-40AE-B4C6-C98DA3205C09}" type="datetimeFigureOut">
               <a:rPr lang="en-US" smtClean="0"/>
               <a:pPr/>
-              <a:t>1/19/2017</a:t>
+              <a:t>2/8/2017</a:t>
             </a:fld>
             <a:endParaRPr lang="en-US"/>
           </a:p>
@@ -2849,7 +2849,7 @@
             <a:fld id="{1D8BD707-D9CF-40AE-B4C6-C98DA3205C09}" type="datetimeFigureOut">
               <a:rPr lang="en-US" smtClean="0"/>
               <a:pPr/>
-              <a:t>1/19/2017</a:t>
+              <a:t>2/8/2017</a:t>
             </a:fld>
             <a:endParaRPr lang="en-US"/>
           </a:p>
@@ -3099,7 +3099,7 @@
             <a:fld id="{1D8BD707-D9CF-40AE-B4C6-C98DA3205C09}" type="datetimeFigureOut">
               <a:rPr lang="en-US" smtClean="0"/>
               <a:pPr/>
-              <a:t>1/19/2017</a:t>
+              <a:t>2/8/2017</a:t>
             </a:fld>
             <a:endParaRPr lang="en-US"/>
           </a:p>
@@ -3309,7 +3309,7 @@
             <a:fld id="{1D8BD707-D9CF-40AE-B4C6-C98DA3205C09}" type="datetimeFigureOut">
               <a:rPr lang="en-US" smtClean="0"/>
               <a:pPr/>
-              <a:t>1/19/2017</a:t>
+              <a:t>2/8/2017</a:t>
             </a:fld>
             <a:endParaRPr lang="en-US"/>
           </a:p>
@@ -3717,7 +3717,11 @@
           <a:bodyPr/>
           <a:lstStyle/>
           <a:p>
-            <a:endParaRPr lang="sv-SE"/>
+            <a:r>
+              <a:rPr lang="sv-SE" dirty="0" smtClean="0"/>
+              <a:t>TCP Test Management - Prepare</a:t>
+            </a:r>
+            <a:endParaRPr lang="sv-SE" dirty="0"/>
           </a:p>
         </p:txBody>
       </p:sp>
@@ -5233,7 +5237,7 @@
           <a:p>
             <a:r>
               <a:rPr lang="sv-SE" dirty="0" smtClean="0"/>
-              <a:t>Project Description</a:t>
+              <a:t>Planning</a:t>
             </a:r>
             <a:endParaRPr lang="sv-SE" dirty="0"/>
           </a:p>
@@ -5242,12 +5246,12 @@
     </p:spTree>
     <p:extLst>
       <p:ext uri="{BB962C8B-B14F-4D97-AF65-F5344CB8AC3E}">
-        <p14:creationId xmlns:p14="http://schemas.microsoft.com/office/powerpoint/2010/main" val="1886723042"/>
+        <p14:creationId xmlns:p14="http://schemas.microsoft.com/office/powerpoint/2010/main" val="82758484"/>
       </p:ext>
     </p:extLst>
   </p:cSld>
   <p:clrMapOvr>
-    <a:masterClrMapping/>
+    <a:overrideClrMapping bg1="lt1" tx1="dk1" bg2="lt2" tx2="dk2" accent1="accent1" accent2="accent2" accent3="accent3" accent4="accent4" accent5="accent5" accent6="accent6" hlink="hlink" folHlink="folHlink"/>
   </p:clrMapOvr>
 </p:sld>
 </file>
@@ -5354,7 +5358,7 @@
           <a:graphicData uri="http://schemas.openxmlformats.org/presentationml/2006/ole">
             <mc:AlternateContent xmlns:mc="http://schemas.openxmlformats.org/markup-compatibility/2006">
               <mc:Choice xmlns:v="urn:schemas-microsoft-com:vml" Requires="v">
-                <p:oleObj spid="_x0000_s1054" r:id="rId3" imgW="9255443" imgH="6012180" progId="ABCFlow">
+                <p:oleObj spid="_x0000_s1056" r:id="rId3" imgW="9255443" imgH="6012180" progId="ABCFlow">
                   <p:embed/>
                 </p:oleObj>
               </mc:Choice>
@@ -5446,27 +5450,717 @@
       </p:grpSpPr>
       <p:sp>
         <p:nvSpPr>
-          <p:cNvPr id="3" name="Footer Placeholder 2"/>
+          <p:cNvPr id="56" name="Pentagon 55"/>
+          <p:cNvSpPr/>
+          <p:nvPr/>
+        </p:nvSpPr>
+        <p:spPr bwMode="auto">
+          <a:xfrm>
+            <a:off x="250473" y="2268171"/>
+            <a:ext cx="2323728" cy="465916"/>
+          </a:xfrm>
+          <a:prstGeom prst="homePlate">
+            <a:avLst/>
+          </a:prstGeom>
+          <a:solidFill>
+            <a:srgbClr val="F9F686"/>
+          </a:solidFill>
+          <a:ln>
+            <a:headEnd/>
+            <a:tailEnd/>
+          </a:ln>
+          <a:extLst/>
+        </p:spPr>
+        <p:style>
+          <a:lnRef idx="1">
+            <a:schemeClr val="accent4"/>
+          </a:lnRef>
+          <a:fillRef idx="2">
+            <a:schemeClr val="accent4"/>
+          </a:fillRef>
+          <a:effectRef idx="1">
+            <a:schemeClr val="accent4"/>
+          </a:effectRef>
+          <a:fontRef idx="minor">
+            <a:schemeClr val="dk1"/>
+          </a:fontRef>
+        </p:style>
+        <p:txBody>
+          <a:bodyPr wrap="none" anchor="ctr"/>
+          <a:lstStyle/>
+          <a:p>
+            <a:pPr algn="ctr">
+              <a:spcBef>
+                <a:spcPct val="0"/>
+              </a:spcBef>
+              <a:defRPr/>
+            </a:pPr>
+            <a:endParaRPr lang="sv-SE" sz="1200" dirty="0" smtClean="0"/>
+          </a:p>
+          <a:p>
+            <a:pPr algn="ctr">
+              <a:spcBef>
+                <a:spcPct val="0"/>
+              </a:spcBef>
+              <a:defRPr/>
+            </a:pPr>
+            <a:r>
+              <a:rPr lang="sv-SE" sz="1200" dirty="0" smtClean="0"/>
+              <a:t>Disable PVT manager</a:t>
+            </a:r>
+          </a:p>
+          <a:p>
+            <a:pPr algn="ctr">
+              <a:spcBef>
+                <a:spcPct val="0"/>
+              </a:spcBef>
+              <a:defRPr/>
+            </a:pPr>
+            <a:endParaRPr lang="en-US" sz="1200" dirty="0"/>
+          </a:p>
+        </p:txBody>
+      </p:sp>
+      <p:sp>
+        <p:nvSpPr>
+          <p:cNvPr id="61" name="Pentagon 60"/>
+          <p:cNvSpPr/>
+          <p:nvPr/>
+        </p:nvSpPr>
+        <p:spPr bwMode="auto">
+          <a:xfrm>
+            <a:off x="250473" y="1691558"/>
+            <a:ext cx="1800200" cy="420688"/>
+          </a:xfrm>
+          <a:prstGeom prst="homePlate">
+            <a:avLst/>
+          </a:prstGeom>
+          <a:solidFill>
+            <a:srgbClr val="F9F686"/>
+          </a:solidFill>
+          <a:ln>
+            <a:headEnd/>
+            <a:tailEnd/>
+          </a:ln>
+          <a:extLst/>
+        </p:spPr>
+        <p:style>
+          <a:lnRef idx="1">
+            <a:schemeClr val="accent4"/>
+          </a:lnRef>
+          <a:fillRef idx="2">
+            <a:schemeClr val="accent4"/>
+          </a:fillRef>
+          <a:effectRef idx="1">
+            <a:schemeClr val="accent4"/>
+          </a:effectRef>
+          <a:fontRef idx="minor">
+            <a:schemeClr val="dk1"/>
+          </a:fontRef>
+        </p:style>
+        <p:txBody>
+          <a:bodyPr wrap="none" anchor="ctr"/>
+          <a:lstStyle/>
+          <a:p>
+            <a:pPr algn="ctr">
+              <a:spcBef>
+                <a:spcPct val="0"/>
+              </a:spcBef>
+              <a:defRPr/>
+            </a:pPr>
+            <a:r>
+              <a:rPr lang="sv-SE" sz="1200" dirty="0" smtClean="0">
+                <a:solidFill>
+                  <a:schemeClr val="tx1"/>
+                </a:solidFill>
+              </a:rPr>
+              <a:t>Test Manager</a:t>
+            </a:r>
+          </a:p>
+          <a:p>
+            <a:pPr algn="ctr">
+              <a:spcBef>
+                <a:spcPct val="0"/>
+              </a:spcBef>
+              <a:defRPr/>
+            </a:pPr>
+            <a:r>
+              <a:rPr lang="sv-SE" sz="1200" dirty="0" smtClean="0">
+                <a:solidFill>
+                  <a:schemeClr val="tx1"/>
+                </a:solidFill>
+              </a:rPr>
+              <a:t>  Prepare test - core</a:t>
+            </a:r>
+            <a:endParaRPr lang="en-US" sz="1200" dirty="0">
+              <a:solidFill>
+                <a:schemeClr val="tx1"/>
+              </a:solidFill>
+            </a:endParaRPr>
+          </a:p>
+        </p:txBody>
+      </p:sp>
+      <p:sp>
+        <p:nvSpPr>
+          <p:cNvPr id="62" name="Pentagon 61"/>
+          <p:cNvSpPr/>
+          <p:nvPr/>
+        </p:nvSpPr>
+        <p:spPr bwMode="auto">
+          <a:xfrm>
+            <a:off x="2841761" y="1679684"/>
+            <a:ext cx="1647111" cy="420687"/>
+          </a:xfrm>
+          <a:prstGeom prst="homePlate">
+            <a:avLst/>
+          </a:prstGeom>
+          <a:solidFill>
+            <a:srgbClr val="F9F686"/>
+          </a:solidFill>
+          <a:ln>
+            <a:headEnd/>
+            <a:tailEnd/>
+          </a:ln>
+          <a:extLst/>
+        </p:spPr>
+        <p:style>
+          <a:lnRef idx="1">
+            <a:schemeClr val="accent4"/>
+          </a:lnRef>
+          <a:fillRef idx="2">
+            <a:schemeClr val="accent4"/>
+          </a:fillRef>
+          <a:effectRef idx="1">
+            <a:schemeClr val="accent4"/>
+          </a:effectRef>
+          <a:fontRef idx="minor">
+            <a:schemeClr val="dk1"/>
+          </a:fontRef>
+        </p:style>
+        <p:txBody>
+          <a:bodyPr wrap="none" anchor="ctr"/>
+          <a:lstStyle/>
+          <a:p>
+            <a:pPr algn="ctr">
+              <a:spcBef>
+                <a:spcPct val="0"/>
+              </a:spcBef>
+              <a:defRPr/>
+            </a:pPr>
+            <a:r>
+              <a:rPr lang="sv-SE" sz="1200" dirty="0" smtClean="0">
+                <a:solidFill>
+                  <a:schemeClr val="tx1"/>
+                </a:solidFill>
+              </a:rPr>
+              <a:t>Test Manager</a:t>
+            </a:r>
+          </a:p>
+          <a:p>
+            <a:pPr algn="ctr">
+              <a:spcBef>
+                <a:spcPct val="0"/>
+              </a:spcBef>
+              <a:defRPr/>
+            </a:pPr>
+            <a:r>
+              <a:rPr lang="sv-SE" sz="1200" dirty="0" smtClean="0">
+                <a:solidFill>
+                  <a:schemeClr val="tx1"/>
+                </a:solidFill>
+              </a:rPr>
+              <a:t>Perform test - core </a:t>
+            </a:r>
+            <a:endParaRPr lang="en-US" sz="1200" dirty="0">
+              <a:solidFill>
+                <a:schemeClr val="tx1"/>
+              </a:solidFill>
+            </a:endParaRPr>
+          </a:p>
+        </p:txBody>
+      </p:sp>
+      <p:sp>
+        <p:nvSpPr>
+          <p:cNvPr id="2" name="Title 1"/>
           <p:cNvSpPr>
             <a:spLocks noGrp="1"/>
           </p:cNvSpPr>
           <p:nvPr>
-            <p:ph type="ftr" sz="quarter" idx="10"/>
+            <p:ph type="title"/>
           </p:nvPr>
         </p:nvSpPr>
+        <p:spPr>
+          <a:xfrm>
+            <a:off x="153816" y="210213"/>
+            <a:ext cx="8003232" cy="346050"/>
+          </a:xfrm>
+        </p:spPr>
+        <p:txBody>
+          <a:bodyPr>
+            <a:noAutofit/>
+          </a:bodyPr>
+          <a:lstStyle/>
+          <a:p>
+            <a:r>
+              <a:rPr lang="sv-SE" sz="3200" dirty="0" smtClean="0"/>
+              <a:t>Suggested Roadmap</a:t>
+            </a:r>
+            <a:endParaRPr lang="en-US" sz="3200" dirty="0"/>
+          </a:p>
+        </p:txBody>
+      </p:sp>
+      <p:sp>
+        <p:nvSpPr>
+          <p:cNvPr id="22" name="Pentagon 21"/>
+          <p:cNvSpPr/>
+          <p:nvPr/>
+        </p:nvSpPr>
+        <p:spPr bwMode="auto">
+          <a:xfrm>
+            <a:off x="4784401" y="1629099"/>
+            <a:ext cx="1739122" cy="420687"/>
+          </a:xfrm>
+          <a:prstGeom prst="homePlate">
+            <a:avLst/>
+          </a:prstGeom>
+          <a:solidFill>
+            <a:srgbClr val="F9F686"/>
+          </a:solidFill>
+          <a:ln>
+            <a:headEnd/>
+            <a:tailEnd/>
+          </a:ln>
+          <a:extLst/>
+        </p:spPr>
+        <p:style>
+          <a:lnRef idx="1">
+            <a:schemeClr val="accent4"/>
+          </a:lnRef>
+          <a:fillRef idx="2">
+            <a:schemeClr val="accent4"/>
+          </a:fillRef>
+          <a:effectRef idx="1">
+            <a:schemeClr val="accent4"/>
+          </a:effectRef>
+          <a:fontRef idx="minor">
+            <a:schemeClr val="dk1"/>
+          </a:fontRef>
+        </p:style>
+        <p:txBody>
+          <a:bodyPr wrap="none" anchor="ctr"/>
+          <a:lstStyle/>
+          <a:p>
+            <a:pPr algn="ctr">
+              <a:spcBef>
+                <a:spcPct val="0"/>
+              </a:spcBef>
+            </a:pPr>
+            <a:r>
+              <a:rPr lang="sv-SE" sz="1200" dirty="0" smtClean="0"/>
+              <a:t>Replace\update RDM</a:t>
+            </a:r>
+            <a:endParaRPr lang="en-US" sz="1200" dirty="0"/>
+          </a:p>
+        </p:txBody>
+      </p:sp>
+      <p:sp>
+        <p:nvSpPr>
+          <p:cNvPr id="3" name="TextBox 2"/>
+          <p:cNvSpPr txBox="1"/>
+          <p:nvPr/>
+        </p:nvSpPr>
+        <p:spPr>
+          <a:xfrm>
+            <a:off x="189217" y="1192469"/>
+            <a:ext cx="1922711" cy="338554"/>
+          </a:xfrm>
+          <a:prstGeom prst="rect">
+            <a:avLst/>
+          </a:prstGeom>
+          <a:noFill/>
+        </p:spPr>
+        <p:txBody>
+          <a:bodyPr wrap="square" rtlCol="0">
+            <a:spAutoFit/>
+          </a:bodyPr>
+          <a:lstStyle/>
+          <a:p>
+            <a:pPr algn="ctr"/>
+            <a:r>
+              <a:rPr lang="sv-SE" sz="1600" b="1" dirty="0" smtClean="0"/>
+              <a:t>Step 1</a:t>
+            </a:r>
+            <a:endParaRPr lang="en-US" sz="1600" b="1" dirty="0"/>
+          </a:p>
+        </p:txBody>
+      </p:sp>
+      <p:cxnSp>
+        <p:nvCxnSpPr>
+          <p:cNvPr id="5" name="Straight Connector 4"/>
+          <p:cNvCxnSpPr/>
+          <p:nvPr/>
+        </p:nvCxnSpPr>
+        <p:spPr>
+          <a:xfrm>
+            <a:off x="2706043" y="949370"/>
+            <a:ext cx="0" cy="1836034"/>
+          </a:xfrm>
+          <a:prstGeom prst="line">
+            <a:avLst/>
+          </a:prstGeom>
+          <a:ln w="31750" cmpd="sng"/>
+        </p:spPr>
+        <p:style>
+          <a:lnRef idx="1">
+            <a:schemeClr val="accent1"/>
+          </a:lnRef>
+          <a:fillRef idx="0">
+            <a:schemeClr val="accent1"/>
+          </a:fillRef>
+          <a:effectRef idx="0">
+            <a:schemeClr val="accent1"/>
+          </a:effectRef>
+          <a:fontRef idx="minor">
+            <a:schemeClr val="tx1"/>
+          </a:fontRef>
+        </p:style>
+      </p:cxnSp>
+      <p:sp>
+        <p:nvSpPr>
+          <p:cNvPr id="29" name="TextBox 28"/>
+          <p:cNvSpPr txBox="1"/>
+          <p:nvPr/>
+        </p:nvSpPr>
+        <p:spPr>
+          <a:xfrm>
+            <a:off x="2706043" y="1192469"/>
+            <a:ext cx="1782830" cy="338554"/>
+          </a:xfrm>
+          <a:prstGeom prst="rect">
+            <a:avLst/>
+          </a:prstGeom>
+          <a:noFill/>
+        </p:spPr>
+        <p:txBody>
+          <a:bodyPr wrap="square" rtlCol="0">
+            <a:spAutoFit/>
+          </a:bodyPr>
+          <a:lstStyle/>
+          <a:p>
+            <a:pPr algn="ctr"/>
+            <a:r>
+              <a:rPr lang="sv-SE" sz="1600" b="1" dirty="0" smtClean="0"/>
+              <a:t>Step 2</a:t>
+            </a:r>
+            <a:endParaRPr lang="en-US" sz="1600" b="1" dirty="0"/>
+          </a:p>
+        </p:txBody>
+      </p:sp>
+      <p:cxnSp>
+        <p:nvCxnSpPr>
+          <p:cNvPr id="33" name="Straight Connector 32"/>
+          <p:cNvCxnSpPr/>
+          <p:nvPr/>
+        </p:nvCxnSpPr>
+        <p:spPr>
+          <a:xfrm>
+            <a:off x="4619129" y="1061253"/>
+            <a:ext cx="0" cy="1836034"/>
+          </a:xfrm>
+          <a:prstGeom prst="line">
+            <a:avLst/>
+          </a:prstGeom>
+          <a:ln w="31750" cmpd="sng"/>
+        </p:spPr>
+        <p:style>
+          <a:lnRef idx="1">
+            <a:schemeClr val="accent1"/>
+          </a:lnRef>
+          <a:fillRef idx="0">
+            <a:schemeClr val="accent1"/>
+          </a:fillRef>
+          <a:effectRef idx="0">
+            <a:schemeClr val="accent1"/>
+          </a:effectRef>
+          <a:fontRef idx="minor">
+            <a:schemeClr val="tx1"/>
+          </a:fontRef>
+        </p:style>
+      </p:cxnSp>
+      <p:sp>
+        <p:nvSpPr>
+          <p:cNvPr id="34" name="TextBox 33"/>
+          <p:cNvSpPr txBox="1"/>
+          <p:nvPr/>
+        </p:nvSpPr>
+        <p:spPr>
+          <a:xfrm>
+            <a:off x="5092291" y="1192469"/>
+            <a:ext cx="1123341" cy="338554"/>
+          </a:xfrm>
+          <a:prstGeom prst="rect">
+            <a:avLst/>
+          </a:prstGeom>
+          <a:noFill/>
+        </p:spPr>
+        <p:txBody>
+          <a:bodyPr wrap="square" rtlCol="0">
+            <a:spAutoFit/>
+          </a:bodyPr>
+          <a:lstStyle/>
+          <a:p>
+            <a:pPr algn="ctr"/>
+            <a:r>
+              <a:rPr lang="sv-SE" sz="1600" b="1" dirty="0" smtClean="0"/>
+              <a:t>Step 3</a:t>
+            </a:r>
+            <a:endParaRPr lang="en-US" sz="1600" b="1" dirty="0"/>
+          </a:p>
+        </p:txBody>
+      </p:sp>
+      <p:sp>
+        <p:nvSpPr>
+          <p:cNvPr id="36" name="Pentagon 35"/>
+          <p:cNvSpPr/>
+          <p:nvPr/>
+        </p:nvSpPr>
+        <p:spPr bwMode="auto">
+          <a:xfrm>
+            <a:off x="4753567" y="2268171"/>
+            <a:ext cx="2024129" cy="420687"/>
+          </a:xfrm>
+          <a:prstGeom prst="homePlate">
+            <a:avLst/>
+          </a:prstGeom>
+          <a:solidFill>
+            <a:srgbClr val="F9F686"/>
+          </a:solidFill>
+          <a:ln>
+            <a:headEnd/>
+            <a:tailEnd/>
+          </a:ln>
+          <a:extLst/>
+        </p:spPr>
+        <p:style>
+          <a:lnRef idx="1">
+            <a:schemeClr val="accent4"/>
+          </a:lnRef>
+          <a:fillRef idx="2">
+            <a:schemeClr val="accent4"/>
+          </a:fillRef>
+          <a:effectRef idx="1">
+            <a:schemeClr val="accent4"/>
+          </a:effectRef>
+          <a:fontRef idx="minor">
+            <a:schemeClr val="dk1"/>
+          </a:fontRef>
+        </p:style>
+        <p:txBody>
+          <a:bodyPr wrap="none" anchor="ctr"/>
+          <a:lstStyle/>
+          <a:p>
+            <a:pPr algn="ctr">
+              <a:spcBef>
+                <a:spcPct val="0"/>
+              </a:spcBef>
+              <a:defRPr/>
+            </a:pPr>
+            <a:r>
+              <a:rPr lang="sv-SE" sz="1200" dirty="0" smtClean="0">
+                <a:solidFill>
+                  <a:schemeClr val="tx1"/>
+                </a:solidFill>
+              </a:rPr>
+              <a:t>Replace Efacts functionality </a:t>
+            </a:r>
+            <a:endParaRPr lang="en-US" sz="1200" dirty="0">
+              <a:solidFill>
+                <a:schemeClr val="tx1"/>
+              </a:solidFill>
+            </a:endParaRPr>
+          </a:p>
+        </p:txBody>
+      </p:sp>
+      <p:sp>
+        <p:nvSpPr>
+          <p:cNvPr id="8" name="TextBox 7"/>
+          <p:cNvSpPr txBox="1"/>
+          <p:nvPr/>
+        </p:nvSpPr>
+        <p:spPr>
+          <a:xfrm>
+            <a:off x="250473" y="2837768"/>
+            <a:ext cx="2455570" cy="2462213"/>
+          </a:xfrm>
+          <a:prstGeom prst="rect">
+            <a:avLst/>
+          </a:prstGeom>
+          <a:noFill/>
+        </p:spPr>
+        <p:txBody>
+          <a:bodyPr wrap="square" rtlCol="0">
+            <a:spAutoFit/>
+          </a:bodyPr>
+          <a:lstStyle/>
+          <a:p>
+            <a:pPr marL="285750" indent="-285750">
+              <a:buFont typeface="Arial" panose="020B0604020202020204" pitchFamily="34" charset="0"/>
+              <a:buChar char="•"/>
+            </a:pPr>
+            <a:r>
+              <a:rPr lang="sv-SE" sz="1400" dirty="0" smtClean="0"/>
+              <a:t>Establish new TM with it’s own Database</a:t>
+            </a:r>
+          </a:p>
+          <a:p>
+            <a:pPr marL="285750" indent="-285750">
+              <a:buFont typeface="Arial" panose="020B0604020202020204" pitchFamily="34" charset="0"/>
+              <a:buChar char="•"/>
+            </a:pPr>
+            <a:r>
+              <a:rPr lang="sv-SE" sz="1400" dirty="0" smtClean="0"/>
+              <a:t>Extend test specification with procedure(test method) and routine</a:t>
+            </a:r>
+          </a:p>
+          <a:p>
+            <a:pPr marL="285750" indent="-285750">
+              <a:buFont typeface="Arial" panose="020B0604020202020204" pitchFamily="34" charset="0"/>
+              <a:buChar char="•"/>
+            </a:pPr>
+            <a:r>
+              <a:rPr lang="sv-SE" sz="1400" dirty="0" smtClean="0"/>
+              <a:t>Improve filtering test cases towards test object</a:t>
+            </a:r>
+          </a:p>
+          <a:p>
+            <a:pPr marL="285750" indent="-285750">
+              <a:buFont typeface="Arial" panose="020B0604020202020204" pitchFamily="34" charset="0"/>
+              <a:buChar char="•"/>
+            </a:pPr>
+            <a:r>
+              <a:rPr lang="sv-SE" sz="1400" dirty="0" smtClean="0"/>
+              <a:t>Secure information exchange between New TM and Efacts</a:t>
+            </a:r>
+            <a:endParaRPr lang="en-US" sz="1400" dirty="0"/>
+          </a:p>
+        </p:txBody>
+      </p:sp>
+      <p:sp>
+        <p:nvSpPr>
+          <p:cNvPr id="38" name="TextBox 37"/>
+          <p:cNvSpPr txBox="1"/>
+          <p:nvPr/>
+        </p:nvSpPr>
+        <p:spPr>
+          <a:xfrm>
+            <a:off x="2841762" y="2837768"/>
+            <a:ext cx="1647111" cy="1169551"/>
+          </a:xfrm>
+          <a:prstGeom prst="rect">
+            <a:avLst/>
+          </a:prstGeom>
+          <a:noFill/>
+        </p:spPr>
+        <p:txBody>
+          <a:bodyPr wrap="square" rtlCol="0">
+            <a:spAutoFit/>
+          </a:bodyPr>
+          <a:lstStyle/>
+          <a:p>
+            <a:pPr marL="285750" indent="-285750">
+              <a:buFont typeface="Arial" panose="020B0604020202020204" pitchFamily="34" charset="0"/>
+              <a:buChar char="•"/>
+            </a:pPr>
+            <a:r>
+              <a:rPr lang="sv-SE" sz="1400" dirty="0"/>
+              <a:t>Establish basic system functionality for tester through </a:t>
+            </a:r>
+            <a:r>
+              <a:rPr lang="sv-SE" sz="1400" dirty="0" smtClean="0"/>
+              <a:t>tablet</a:t>
+            </a:r>
+          </a:p>
+        </p:txBody>
+      </p:sp>
+      <p:sp>
+        <p:nvSpPr>
+          <p:cNvPr id="39" name="TextBox 38"/>
+          <p:cNvSpPr txBox="1"/>
+          <p:nvPr/>
+        </p:nvSpPr>
+        <p:spPr>
+          <a:xfrm>
+            <a:off x="4784401" y="2897287"/>
+            <a:ext cx="2160928" cy="1169551"/>
+          </a:xfrm>
+          <a:prstGeom prst="rect">
+            <a:avLst/>
+          </a:prstGeom>
+          <a:noFill/>
+        </p:spPr>
+        <p:txBody>
+          <a:bodyPr wrap="square" rtlCol="0">
+            <a:spAutoFit/>
+          </a:bodyPr>
+          <a:lstStyle/>
+          <a:p>
+            <a:pPr marL="285750" indent="-285750">
+              <a:buFont typeface="Arial" panose="020B0604020202020204" pitchFamily="34" charset="0"/>
+              <a:buChar char="•"/>
+            </a:pPr>
+            <a:r>
+              <a:rPr lang="sv-SE" sz="1400" dirty="0" smtClean="0"/>
+              <a:t>Replace </a:t>
+            </a:r>
+            <a:r>
+              <a:rPr lang="sv-SE" sz="1400" dirty="0"/>
+              <a:t>RDM </a:t>
+            </a:r>
+            <a:r>
+              <a:rPr lang="sv-SE" sz="1400" dirty="0" smtClean="0"/>
+              <a:t>functionality</a:t>
+            </a:r>
+          </a:p>
+          <a:p>
+            <a:pPr marL="285750" indent="-285750">
+              <a:buFont typeface="Arial" panose="020B0604020202020204" pitchFamily="34" charset="0"/>
+              <a:buChar char="•"/>
+            </a:pPr>
+            <a:r>
+              <a:rPr lang="sv-SE" sz="1400" dirty="0"/>
+              <a:t>Replace Efacts</a:t>
+            </a:r>
+          </a:p>
+          <a:p>
+            <a:endParaRPr lang="sv-SE" sz="1400" dirty="0"/>
+          </a:p>
+          <a:p>
+            <a:endParaRPr lang="sv-SE" sz="1400" dirty="0"/>
+          </a:p>
+        </p:txBody>
+      </p:sp>
+      <p:sp>
+        <p:nvSpPr>
+          <p:cNvPr id="4" name="Date Placeholder 3"/>
+          <p:cNvSpPr>
+            <a:spLocks noGrp="1"/>
+          </p:cNvSpPr>
+          <p:nvPr>
+            <p:ph type="dt" sz="half" idx="12"/>
+          </p:nvPr>
+        </p:nvSpPr>
         <p:spPr/>
         <p:txBody>
           <a:bodyPr/>
           <a:lstStyle/>
           <a:p>
-            <a:r>
-              <a:rPr lang="en-US" smtClean="0">
+            <a:fld id="{C5B67FFC-88A1-426F-B8DC-12F1D739EF6A}" type="datetime1">
+              <a:rPr lang="en-GB" smtClean="0">
                 <a:solidFill>
                   <a:srgbClr val="000000"/>
                 </a:solidFill>
               </a:rPr>
-              <a:t>Test Manager Solution, V&amp;V Portfolio</a:t>
-            </a:r>
+              <a:t>08/02/2017</a:t>
+            </a:fld>
             <a:endParaRPr lang="en-US" dirty="0">
               <a:solidFill>
                 <a:srgbClr val="000000"/>
@@ -5477,7 +6171,33 @@
       </p:sp>
       <p:sp>
         <p:nvSpPr>
-          <p:cNvPr id="4" name="Slide Number Placeholder 3"/>
+          <p:cNvPr id="6" name="Footer Placeholder 5"/>
+          <p:cNvSpPr>
+            <a:spLocks noGrp="1"/>
+          </p:cNvSpPr>
+          <p:nvPr>
+            <p:ph type="ftr" sz="quarter" idx="10"/>
+          </p:nvPr>
+        </p:nvSpPr>
+        <p:spPr/>
+        <p:txBody>
+          <a:bodyPr/>
+          <a:lstStyle/>
+          <a:p>
+            <a:r>
+              <a:rPr lang="en-US" dirty="0">
+                <a:solidFill>
+                  <a:srgbClr val="000000"/>
+                </a:solidFill>
+              </a:rPr>
+              <a:t>TCP- Prepare Test Manager,  V&amp;V Portfolio</a:t>
+            </a:r>
+          </a:p>
+        </p:txBody>
+      </p:sp>
+      <p:sp>
+        <p:nvSpPr>
+          <p:cNvPr id="7" name="Slide Number Placeholder 6"/>
           <p:cNvSpPr>
             <a:spLocks noGrp="1"/>
           </p:cNvSpPr>
@@ -5507,452 +6227,205 @@
           </a:p>
         </p:txBody>
       </p:sp>
-      <p:sp>
-        <p:nvSpPr>
-          <p:cNvPr id="6" name="Title 4"/>
-          <p:cNvSpPr txBox="1">
-            <a:spLocks/>
-          </p:cNvSpPr>
+      <p:cxnSp>
+        <p:nvCxnSpPr>
+          <p:cNvPr id="19" name="Straight Connector 18"/>
+          <p:cNvCxnSpPr/>
           <p:nvPr/>
-        </p:nvSpPr>
+        </p:nvCxnSpPr>
         <p:spPr>
           <a:xfrm>
-            <a:off x="308345" y="554668"/>
-            <a:ext cx="8301992" cy="382299"/>
+            <a:off x="6826575" y="1192469"/>
+            <a:ext cx="0" cy="1836034"/>
           </a:xfrm>
-          <a:prstGeom prst="rect">
+          <a:prstGeom prst="line">
             <a:avLst/>
           </a:prstGeom>
+          <a:ln w="31750" cmpd="sng"/>
         </p:spPr>
-        <p:txBody>
-          <a:bodyPr vert="horz" lIns="91440" tIns="45720" rIns="91440" bIns="45720" rtlCol="0" anchor="t" anchorCtr="0">
-            <a:noAutofit/>
-          </a:bodyPr>
-          <a:lstStyle>
-            <a:lvl1pPr algn="l" defTabSz="914400" rtl="0" eaLnBrk="1" latinLnBrk="0" hangingPunct="1">
+        <p:style>
+          <a:lnRef idx="1">
+            <a:schemeClr val="accent1"/>
+          </a:lnRef>
+          <a:fillRef idx="0">
+            <a:schemeClr val="accent1"/>
+          </a:fillRef>
+          <a:effectRef idx="0">
+            <a:schemeClr val="accent1"/>
+          </a:effectRef>
+          <a:fontRef idx="minor">
+            <a:schemeClr val="tx1"/>
+          </a:fontRef>
+        </p:style>
+      </p:cxnSp>
+      <p:sp>
+        <p:nvSpPr>
+          <p:cNvPr id="20" name="Pentagon 19"/>
+          <p:cNvSpPr/>
+          <p:nvPr/>
+        </p:nvSpPr>
+        <p:spPr bwMode="auto">
+          <a:xfrm>
+            <a:off x="6936931" y="1657043"/>
+            <a:ext cx="1753914" cy="420688"/>
+          </a:xfrm>
+          <a:prstGeom prst="homePlate">
+            <a:avLst/>
+          </a:prstGeom>
+          <a:solidFill>
+            <a:srgbClr val="F9F686"/>
+          </a:solidFill>
+          <a:ln>
+            <a:headEnd/>
+            <a:tailEnd/>
+          </a:ln>
+          <a:extLst/>
+        </p:spPr>
+        <p:style>
+          <a:lnRef idx="1">
+            <a:schemeClr val="accent4"/>
+          </a:lnRef>
+          <a:fillRef idx="2">
+            <a:schemeClr val="accent4"/>
+          </a:fillRef>
+          <a:effectRef idx="1">
+            <a:schemeClr val="accent4"/>
+          </a:effectRef>
+          <a:fontRef idx="minor">
+            <a:schemeClr val="dk1"/>
+          </a:fontRef>
+        </p:style>
+        <p:txBody>
+          <a:bodyPr wrap="none" anchor="ctr"/>
+          <a:lstStyle/>
+          <a:p>
+            <a:pPr algn="ctr">
               <a:spcBef>
                 <a:spcPct val="0"/>
               </a:spcBef>
-              <a:buNone/>
-              <a:defRPr lang="en-US" sz="3200" b="1" kern="1200" smtClean="0">
-                <a:solidFill>
-                  <a:schemeClr val="tx2"/>
-                </a:solidFill>
-                <a:latin typeface="Arial" pitchFamily="34" charset="0"/>
-                <a:ea typeface="+mj-ea"/>
-                <a:cs typeface="Arial" pitchFamily="34" charset="0"/>
-              </a:defRPr>
-            </a:lvl1pPr>
-          </a:lstStyle>
-          <a:p>
-            <a:r>
-              <a:rPr lang="pl-PL" sz="2400" dirty="0"/>
-              <a:t>Project </a:t>
-            </a:r>
-            <a:r>
-              <a:rPr lang="sv-SE" sz="2400" dirty="0" smtClean="0"/>
-              <a:t>V</a:t>
-            </a:r>
-            <a:r>
-              <a:rPr lang="pl-PL" sz="2400" dirty="0" smtClean="0"/>
-              <a:t>ision </a:t>
-            </a:r>
-            <a:r>
-              <a:rPr lang="en-US" sz="2400" dirty="0"/>
-              <a:t>and alignment with </a:t>
-            </a:r>
-            <a:r>
-              <a:rPr lang="pl-PL" sz="2400" dirty="0"/>
-              <a:t>Strategic Objectives</a:t>
-            </a:r>
-            <a:endParaRPr lang="en-US" sz="2400" dirty="0"/>
-          </a:p>
-        </p:txBody>
-      </p:sp>
-      <p:sp>
-        <p:nvSpPr>
-          <p:cNvPr id="7" name="Content Placeholder 8"/>
-          <p:cNvSpPr txBox="1">
-            <a:spLocks/>
-          </p:cNvSpPr>
-          <p:nvPr/>
-        </p:nvSpPr>
-        <p:spPr bwMode="auto">
-          <a:xfrm>
-            <a:off x="310276" y="1516063"/>
-            <a:ext cx="8581312" cy="4371975"/>
-          </a:xfrm>
-          <a:prstGeom prst="rect">
-            <a:avLst/>
-          </a:prstGeom>
-          <a:noFill/>
-          <a:ln>
-            <a:noFill/>
-          </a:ln>
-          <a:effectLst/>
-          <a:extLst>
-            <a:ext uri="{909E8E84-426E-40DD-AFC4-6F175D3DCCD1}">
-              <a14:hiddenFill xmlns:a14="http://schemas.microsoft.com/office/drawing/2010/main">
-                <a:solidFill>
-                  <a:schemeClr val="accent1"/>
-                </a:solidFill>
-              </a14:hiddenFill>
-            </a:ext>
-            <a:ext uri="{91240B29-F687-4F45-9708-019B960494DF}">
-              <a14:hiddenLine xmlns:a14="http://schemas.microsoft.com/office/drawing/2010/main" w="9525">
+              <a:defRPr/>
+            </a:pPr>
+            <a:r>
+              <a:rPr lang="sv-SE" sz="1200" dirty="0" smtClean="0">
                 <a:solidFill>
                   <a:schemeClr val="tx1"/>
                 </a:solidFill>
-                <a:miter lim="800000"/>
-                <a:headEnd/>
-                <a:tailEnd/>
-              </a14:hiddenLine>
-            </a:ext>
-            <a:ext uri="{AF507438-7753-43E0-B8FC-AC1667EBCBE1}">
-              <a14:hiddenEffects xmlns:a14="http://schemas.microsoft.com/office/drawing/2010/main">
-                <a:effectLst>
-                  <a:outerShdw dist="35921" dir="2700000" algn="ctr" rotWithShape="0">
-                    <a:schemeClr val="bg2"/>
-                  </a:outerShdw>
-                </a:effectLst>
-              </a14:hiddenEffects>
-            </a:ext>
-          </a:extLst>
-        </p:spPr>
-        <p:txBody>
-          <a:bodyPr vert="horz" wrap="square" lIns="91440" tIns="45720" rIns="91440" bIns="45720" numCol="1" anchor="t" anchorCtr="0" compatLnSpc="1">
-            <a:prstTxWarp prst="textNoShape">
-              <a:avLst/>
-            </a:prstTxWarp>
-          </a:bodyPr>
-          <a:lstStyle>
-            <a:lvl1pPr marL="0" indent="0" algn="ctr" rtl="0" fontAlgn="base">
+              </a:rPr>
+              <a:t>Test Manager</a:t>
+            </a:r>
+          </a:p>
+          <a:p>
+            <a:pPr algn="ctr">
               <a:spcBef>
-                <a:spcPct val="40000"/>
+                <a:spcPct val="0"/>
               </a:spcBef>
-              <a:spcAft>
-                <a:spcPct val="0"/>
-              </a:spcAft>
-              <a:buClr>
-                <a:schemeClr val="tx2"/>
-              </a:buClr>
-              <a:buFont typeface="Symbol" pitchFamily="18" charset="2"/>
-              <a:buNone/>
-              <a:defRPr sz="1800">
+              <a:defRPr/>
+            </a:pPr>
+            <a:r>
+              <a:rPr lang="sv-SE" sz="1200" dirty="0" smtClean="0">
                 <a:solidFill>
                   <a:schemeClr val="tx1"/>
                 </a:solidFill>
-                <a:latin typeface="+mn-lt"/>
-                <a:ea typeface="+mn-ea"/>
-                <a:cs typeface="+mn-cs"/>
-              </a:defRPr>
-            </a:lvl1pPr>
-            <a:lvl2pPr marL="560388" indent="-234950" algn="l" rtl="0" fontAlgn="base">
+              </a:rPr>
+              <a:t> Prepare test - Extended</a:t>
+            </a:r>
+            <a:endParaRPr lang="en-US" sz="1200" dirty="0">
+              <a:solidFill>
+                <a:schemeClr val="tx1"/>
+              </a:solidFill>
+            </a:endParaRPr>
+          </a:p>
+        </p:txBody>
+      </p:sp>
+      <p:sp>
+        <p:nvSpPr>
+          <p:cNvPr id="21" name="Pentagon 20"/>
+          <p:cNvSpPr/>
+          <p:nvPr/>
+        </p:nvSpPr>
+        <p:spPr bwMode="auto">
+          <a:xfrm>
+            <a:off x="6936931" y="2290785"/>
+            <a:ext cx="2198671" cy="420687"/>
+          </a:xfrm>
+          <a:prstGeom prst="homePlate">
+            <a:avLst/>
+          </a:prstGeom>
+          <a:solidFill>
+            <a:srgbClr val="F9F686"/>
+          </a:solidFill>
+          <a:ln>
+            <a:headEnd/>
+            <a:tailEnd/>
+          </a:ln>
+          <a:extLst/>
+        </p:spPr>
+        <p:style>
+          <a:lnRef idx="1">
+            <a:schemeClr val="accent4"/>
+          </a:lnRef>
+          <a:fillRef idx="2">
+            <a:schemeClr val="accent4"/>
+          </a:fillRef>
+          <a:effectRef idx="1">
+            <a:schemeClr val="accent4"/>
+          </a:effectRef>
+          <a:fontRef idx="minor">
+            <a:schemeClr val="dk1"/>
+          </a:fontRef>
+        </p:style>
+        <p:txBody>
+          <a:bodyPr wrap="none" anchor="ctr"/>
+          <a:lstStyle/>
+          <a:p>
+            <a:pPr algn="ctr">
               <a:spcBef>
-                <a:spcPct val="40000"/>
+                <a:spcPct val="0"/>
               </a:spcBef>
-              <a:spcAft>
-                <a:spcPct val="0"/>
-              </a:spcAft>
-              <a:buClr>
-                <a:schemeClr val="tx2"/>
-              </a:buClr>
-              <a:buChar char="–"/>
-              <a:defRPr sz="1400">
+              <a:defRPr/>
+            </a:pPr>
+            <a:r>
+              <a:rPr lang="sv-SE" sz="1200" dirty="0" smtClean="0">
                 <a:solidFill>
                   <a:schemeClr val="tx1"/>
                 </a:solidFill>
-                <a:latin typeface="+mn-lt"/>
-              </a:defRPr>
-            </a:lvl2pPr>
-            <a:lvl3pPr marL="860425" indent="-207963" algn="l" rtl="0" fontAlgn="base">
+              </a:rPr>
+              <a:t>Test Manager </a:t>
+            </a:r>
+          </a:p>
+          <a:p>
+            <a:pPr algn="ctr">
               <a:spcBef>
-                <a:spcPct val="40000"/>
+                <a:spcPct val="0"/>
               </a:spcBef>
-              <a:spcAft>
-                <a:spcPct val="0"/>
-              </a:spcAft>
-              <a:buClr>
-                <a:schemeClr val="tx2"/>
-              </a:buClr>
-              <a:buSzPct val="110000"/>
-              <a:buFont typeface="Wingdings" pitchFamily="2" charset="2"/>
-              <a:buChar char="Ø"/>
-              <a:defRPr sz="1200">
+              <a:defRPr/>
+            </a:pPr>
+            <a:r>
+              <a:rPr lang="sv-SE" sz="1200" dirty="0" smtClean="0">
                 <a:solidFill>
                   <a:schemeClr val="tx1"/>
                 </a:solidFill>
-                <a:latin typeface="+mn-lt"/>
-              </a:defRPr>
-            </a:lvl3pPr>
-            <a:lvl4pPr marL="1109663" indent="-182563" algn="l" rtl="0" fontAlgn="base">
-              <a:spcBef>
-                <a:spcPct val="40000"/>
-              </a:spcBef>
-              <a:spcAft>
-                <a:spcPct val="0"/>
-              </a:spcAft>
-              <a:buClr>
-                <a:schemeClr val="tx2"/>
-              </a:buClr>
-              <a:buFont typeface="Arial" pitchFamily="34" charset="0"/>
-              <a:buChar char="•"/>
-              <a:defRPr sz="1100">
-                <a:solidFill>
-                  <a:schemeClr val="tx1"/>
-                </a:solidFill>
-                <a:latin typeface="+mn-lt"/>
-              </a:defRPr>
-            </a:lvl4pPr>
-            <a:lvl5pPr marL="1382713" indent="-195263" algn="l" rtl="0" fontAlgn="base">
-              <a:spcBef>
-                <a:spcPct val="40000"/>
-              </a:spcBef>
-              <a:spcAft>
-                <a:spcPct val="0"/>
-              </a:spcAft>
-              <a:buClr>
-                <a:schemeClr val="tx2"/>
-              </a:buClr>
-              <a:buChar char="»"/>
-              <a:defRPr sz="1100">
-                <a:solidFill>
-                  <a:schemeClr val="tx1"/>
-                </a:solidFill>
-                <a:latin typeface="+mn-lt"/>
-              </a:defRPr>
-            </a:lvl5pPr>
-            <a:lvl6pPr marL="1839913" indent="-195263" algn="l" rtl="0" fontAlgn="base">
-              <a:spcBef>
-                <a:spcPct val="40000"/>
-              </a:spcBef>
-              <a:spcAft>
-                <a:spcPct val="0"/>
-              </a:spcAft>
-              <a:buClr>
-                <a:schemeClr val="tx2"/>
-              </a:buClr>
-              <a:buChar char="»"/>
-              <a:defRPr sz="2000">
-                <a:solidFill>
-                  <a:schemeClr val="tx1"/>
-                </a:solidFill>
-                <a:latin typeface="+mn-lt"/>
-              </a:defRPr>
-            </a:lvl6pPr>
-            <a:lvl7pPr marL="2297113" indent="-195263" algn="l" rtl="0" fontAlgn="base">
-              <a:spcBef>
-                <a:spcPct val="40000"/>
-              </a:spcBef>
-              <a:spcAft>
-                <a:spcPct val="0"/>
-              </a:spcAft>
-              <a:buClr>
-                <a:schemeClr val="tx2"/>
-              </a:buClr>
-              <a:buChar char="»"/>
-              <a:defRPr sz="2000">
-                <a:solidFill>
-                  <a:schemeClr val="tx1"/>
-                </a:solidFill>
-                <a:latin typeface="+mn-lt"/>
-              </a:defRPr>
-            </a:lvl7pPr>
-            <a:lvl8pPr marL="2754313" indent="-195263" algn="l" rtl="0" fontAlgn="base">
-              <a:spcBef>
-                <a:spcPct val="40000"/>
-              </a:spcBef>
-              <a:spcAft>
-                <a:spcPct val="0"/>
-              </a:spcAft>
-              <a:buClr>
-                <a:schemeClr val="tx2"/>
-              </a:buClr>
-              <a:buChar char="»"/>
-              <a:defRPr sz="2000">
-                <a:solidFill>
-                  <a:schemeClr val="tx1"/>
-                </a:solidFill>
-                <a:latin typeface="+mn-lt"/>
-              </a:defRPr>
-            </a:lvl8pPr>
-            <a:lvl9pPr marL="3211513" indent="-195263" algn="l" rtl="0" fontAlgn="base">
-              <a:spcBef>
-                <a:spcPct val="40000"/>
-              </a:spcBef>
-              <a:spcAft>
-                <a:spcPct val="0"/>
-              </a:spcAft>
-              <a:buClr>
-                <a:schemeClr val="tx2"/>
-              </a:buClr>
-              <a:buChar char="»"/>
-              <a:defRPr sz="2000">
-                <a:solidFill>
-                  <a:schemeClr val="tx1"/>
-                </a:solidFill>
-                <a:latin typeface="+mn-lt"/>
-              </a:defRPr>
-            </a:lvl9pPr>
-          </a:lstStyle>
-          <a:p>
-            <a:pPr marL="285750" indent="-285750" algn="l">
-              <a:buFont typeface="Wingdings" panose="05000000000000000000" pitchFamily="2" charset="2"/>
-              <a:buChar char="§"/>
-            </a:pPr>
-            <a:r>
-              <a:rPr lang="en-GB" sz="1400" b="1" dirty="0"/>
-              <a:t>Project </a:t>
-            </a:r>
-            <a:r>
-              <a:rPr lang="en-GB" sz="1400" b="1" dirty="0" smtClean="0"/>
-              <a:t>vision</a:t>
-            </a:r>
-          </a:p>
-          <a:p>
-            <a:pPr algn="l"/>
-            <a:r>
-              <a:rPr lang="en-US" sz="1400" dirty="0" smtClean="0"/>
-              <a:t>Vision is to develop and implement a scalable</a:t>
-            </a:r>
-            <a:r>
-              <a:rPr lang="en-US" sz="1400" dirty="0"/>
-              <a:t>, stable and high-performing solution easily adaptable for future business demands supporting </a:t>
-            </a:r>
-            <a:r>
-              <a:rPr lang="en-US" sz="1400" dirty="0" smtClean="0"/>
-              <a:t>complete vehicle testing activities in an effective way.</a:t>
-            </a:r>
-            <a:endParaRPr lang="en-GB" sz="1400" dirty="0" smtClean="0"/>
-          </a:p>
-          <a:p>
-            <a:pPr marL="285750" indent="-285750" algn="l">
-              <a:buFont typeface="Wingdings" panose="05000000000000000000" pitchFamily="2" charset="2"/>
-              <a:buChar char="§"/>
-            </a:pPr>
-            <a:r>
-              <a:rPr lang="en-GB" sz="1400" b="1" dirty="0" smtClean="0"/>
-              <a:t>Project </a:t>
-            </a:r>
-            <a:r>
-              <a:rPr lang="en-GB" sz="1400" b="1" dirty="0"/>
-              <a:t>alignment with Volvo Group core values (</a:t>
-            </a:r>
-            <a:r>
-              <a:rPr lang="en-US" sz="1400" b="1" dirty="0"/>
-              <a:t>Quality, Safety, </a:t>
-            </a:r>
-            <a:r>
-              <a:rPr lang="en-US" sz="1400" b="1" dirty="0" smtClean="0"/>
-              <a:t>Environmental</a:t>
-            </a:r>
-            <a:r>
-              <a:rPr lang="pl-PL" sz="1400" b="1" dirty="0" smtClean="0"/>
-              <a:t> </a:t>
-            </a:r>
-            <a:r>
-              <a:rPr lang="en-US" sz="1400" b="1" dirty="0" smtClean="0"/>
-              <a:t>Care</a:t>
-            </a:r>
-            <a:r>
-              <a:rPr lang="en-US" sz="1400" b="1" dirty="0"/>
-              <a:t>), and Volvo Group policies and directives </a:t>
-            </a:r>
-            <a:endParaRPr lang="en-US" sz="1400" b="1" dirty="0" smtClean="0"/>
-          </a:p>
-          <a:p>
-            <a:pPr algn="l"/>
-            <a:r>
-              <a:rPr lang="sv-SE" sz="1400" b="1" dirty="0" smtClean="0"/>
-              <a:t>Quality:</a:t>
-            </a:r>
-            <a:r>
-              <a:rPr lang="sv-SE" sz="1400" dirty="0" smtClean="0"/>
-              <a:t> We </a:t>
-            </a:r>
-            <a:r>
-              <a:rPr lang="sv-SE" sz="1400" dirty="0"/>
-              <a:t>will secure quality in the </a:t>
-            </a:r>
-            <a:r>
-              <a:rPr lang="sv-SE" sz="1400" dirty="0" smtClean="0"/>
-              <a:t>delivery through use appointed solution components, work methods and the project will follow Volvo Group target architecture. Policies and directives will be followed.</a:t>
-            </a:r>
-          </a:p>
-          <a:p>
-            <a:pPr algn="l"/>
-            <a:r>
-              <a:rPr lang="sv-SE" sz="1400" b="1" dirty="0" smtClean="0"/>
-              <a:t>Environment:</a:t>
-            </a:r>
-            <a:r>
-              <a:rPr lang="sv-SE" sz="1400" dirty="0" smtClean="0"/>
-              <a:t> The new system will improve work environment for roles involved in the process.</a:t>
-            </a:r>
-            <a:endParaRPr lang="en-US" sz="1400" dirty="0" smtClean="0"/>
-          </a:p>
-          <a:p>
-            <a:pPr algn="l"/>
-            <a:r>
-              <a:rPr lang="sv-SE" sz="1400" b="1" dirty="0" smtClean="0"/>
-              <a:t>Safety: </a:t>
-            </a:r>
-            <a:r>
-              <a:rPr lang="sv-SE" sz="1400" dirty="0" smtClean="0"/>
-              <a:t>Better solution support will improve test work which in the end will lead to more secure products</a:t>
-            </a:r>
-            <a:endParaRPr lang="en-US" sz="1400" dirty="0" smtClean="0"/>
-          </a:p>
-          <a:p>
-            <a:pPr marL="285750" indent="-285750" algn="l">
-              <a:buFont typeface="Wingdings" panose="05000000000000000000" pitchFamily="2" charset="2"/>
-              <a:buChar char="§"/>
-            </a:pPr>
-            <a:r>
-              <a:rPr lang="en-GB" sz="1400" b="1" dirty="0" smtClean="0"/>
-              <a:t>Project </a:t>
-            </a:r>
-            <a:r>
-              <a:rPr lang="en-GB" sz="1400" b="1" dirty="0"/>
-              <a:t>alignment with Business strategic objectives and Corporate Process &amp; IT strategy (including integration strategy and IT policies and directives) and roadmaps</a:t>
-            </a:r>
-          </a:p>
-          <a:p>
-            <a:pPr algn="l"/>
-            <a:r>
-              <a:rPr lang="en-GB" sz="1400" dirty="0" smtClean="0"/>
-              <a:t>This project will be a start of the realisation of the road map to develop future system solution/s for supporting Validation and Verification of complete vehicles. From an IT perspective we will follow  ten architectural principals, Volvo group target architecture and VIAP(Volvo Group Infrastructure Architecture Policy). </a:t>
-            </a:r>
-            <a:endParaRPr lang="en-GB" sz="1400" dirty="0"/>
-          </a:p>
-          <a:p>
-            <a:pPr algn="l" eaLnBrk="1" hangingPunct="1"/>
-            <a:endParaRPr lang="en-US" dirty="0"/>
-          </a:p>
-          <a:p>
-            <a:pPr algn="l" eaLnBrk="1" hangingPunct="1"/>
-            <a:endParaRPr lang="en-US" dirty="0" smtClean="0"/>
-          </a:p>
-          <a:p>
-            <a:pPr algn="l" eaLnBrk="1" hangingPunct="1"/>
-            <a:endParaRPr lang="en-US" kern="0" dirty="0" smtClean="0"/>
-          </a:p>
-          <a:p>
-            <a:pPr algn="l" eaLnBrk="1" hangingPunct="1"/>
-            <a:endParaRPr lang="en-US" kern="0" dirty="0"/>
-          </a:p>
-        </p:txBody>
-      </p:sp>
-      <p:sp>
-        <p:nvSpPr>
-          <p:cNvPr id="9" name="TextBox 8"/>
+              </a:rPr>
+              <a:t>Perform test - Extended </a:t>
+            </a:r>
+            <a:endParaRPr lang="en-US" sz="1200" dirty="0">
+              <a:solidFill>
+                <a:schemeClr val="tx1"/>
+              </a:solidFill>
+            </a:endParaRPr>
+          </a:p>
+        </p:txBody>
+      </p:sp>
+      <p:sp>
+        <p:nvSpPr>
+          <p:cNvPr id="23" name="TextBox 22"/>
           <p:cNvSpPr txBox="1"/>
           <p:nvPr/>
         </p:nvSpPr>
         <p:spPr>
           <a:xfrm>
-            <a:off x="322368" y="5805550"/>
-            <a:ext cx="3483646" cy="246221"/>
+            <a:off x="6996742" y="2897287"/>
+            <a:ext cx="2079051" cy="1231106"/>
           </a:xfrm>
           <a:prstGeom prst="rect">
             <a:avLst/>
@@ -5960,109 +6433,144 @@
           <a:noFill/>
         </p:spPr>
         <p:txBody>
-          <a:bodyPr wrap="none" rtlCol="0">
+          <a:bodyPr wrap="square" rtlCol="0">
             <a:spAutoFit/>
           </a:bodyPr>
           <a:lstStyle/>
           <a:p>
-            <a:pPr>
-              <a:spcBef>
-                <a:spcPts val="300"/>
-              </a:spcBef>
+            <a:pPr marL="285750" indent="-285750">
+              <a:buFont typeface="Arial" panose="020B0604020202020204" pitchFamily="34" charset="0"/>
+              <a:buChar char="•"/>
             </a:pPr>
             <a:r>
-              <a:rPr lang="sv-SE" sz="1000" dirty="0" smtClean="0">
-                <a:solidFill>
-                  <a:schemeClr val="tx2"/>
-                </a:solidFill>
-                <a:latin typeface="+mj-lt"/>
-                <a:ea typeface="+mj-ea"/>
-                <a:cs typeface="+mj-cs"/>
-              </a:rPr>
-              <a:t>Requirements breakdown</a:t>
-            </a:r>
-            <a:r>
-              <a:rPr lang="pl-PL" sz="1000" dirty="0" smtClean="0">
-                <a:solidFill>
-                  <a:schemeClr val="tx2"/>
-                </a:solidFill>
-                <a:latin typeface="+mj-lt"/>
-                <a:ea typeface="+mj-ea"/>
-                <a:cs typeface="+mj-cs"/>
-              </a:rPr>
-              <a:t> – </a:t>
-            </a:r>
-            <a:r>
-              <a:rPr lang="en-GB" sz="1000" dirty="0" smtClean="0">
-                <a:solidFill>
-                  <a:schemeClr val="tx2"/>
-                </a:solidFill>
-                <a:latin typeface="+mj-lt"/>
-                <a:ea typeface="+mj-ea"/>
-                <a:cs typeface="+mj-cs"/>
-              </a:rPr>
-              <a:t>Strategic Objectives (SO)</a:t>
-            </a:r>
-            <a:r>
-              <a:rPr lang="sv-SE" sz="1000" dirty="0" smtClean="0">
-                <a:solidFill>
-                  <a:schemeClr val="tx2"/>
-                </a:solidFill>
-                <a:latin typeface="+mj-lt"/>
-                <a:ea typeface="+mj-ea"/>
-                <a:cs typeface="+mj-cs"/>
-              </a:rPr>
-              <a:t>: </a:t>
-            </a:r>
-            <a:r>
-              <a:rPr lang="sv-SE" sz="1000" dirty="0" smtClean="0">
-                <a:solidFill>
-                  <a:srgbClr val="0070C0"/>
-                </a:solidFill>
-                <a:latin typeface="+mj-lt"/>
-                <a:ea typeface="+mj-ea"/>
-                <a:cs typeface="+mj-cs"/>
-              </a:rPr>
-              <a:t>link</a:t>
-            </a:r>
-          </a:p>
-        </p:txBody>
-      </p:sp>
-      <p:sp>
-        <p:nvSpPr>
-          <p:cNvPr id="2" name="Date Placeholder 1"/>
-          <p:cNvSpPr>
-            <a:spLocks noGrp="1"/>
-          </p:cNvSpPr>
-          <p:nvPr>
-            <p:ph type="dt" sz="half" idx="12"/>
-          </p:nvPr>
-        </p:nvSpPr>
-        <p:spPr/>
-        <p:txBody>
-          <a:bodyPr/>
-          <a:lstStyle/>
-          <a:p>
-            <a:fld id="{AD074B0F-AC68-4FB0-86B8-2866CB38EE1C}" type="datetime1">
-              <a:rPr lang="en-GB" smtClean="0">
-                <a:solidFill>
-                  <a:srgbClr val="000000"/>
-                </a:solidFill>
-              </a:rPr>
-              <a:t>19/01/2017</a:t>
-            </a:fld>
-            <a:endParaRPr lang="en-US" dirty="0">
-              <a:solidFill>
-                <a:srgbClr val="000000"/>
-              </a:solidFill>
-            </a:endParaRPr>
+              <a:rPr lang="sv-SE" sz="1400" dirty="0" smtClean="0"/>
+              <a:t>Extend </a:t>
+            </a:r>
+            <a:r>
+              <a:rPr lang="sv-SE" sz="1400" dirty="0"/>
+              <a:t>prepare test </a:t>
+            </a:r>
+            <a:r>
+              <a:rPr lang="sv-SE" sz="1400" dirty="0" smtClean="0"/>
+              <a:t>functionality</a:t>
+            </a:r>
+            <a:endParaRPr lang="sv-SE" sz="1400" dirty="0"/>
+          </a:p>
+          <a:p>
+            <a:pPr marL="285750" indent="-285750">
+              <a:buFont typeface="Arial" panose="020B0604020202020204" pitchFamily="34" charset="0"/>
+              <a:buChar char="•"/>
+            </a:pPr>
+            <a:r>
+              <a:rPr lang="sv-SE" sz="1400" dirty="0"/>
+              <a:t>Extend perform </a:t>
+            </a:r>
+            <a:r>
+              <a:rPr lang="sv-SE" sz="1400" dirty="0" smtClean="0"/>
+              <a:t>test functionality</a:t>
+            </a:r>
+            <a:endParaRPr lang="en-US" sz="1400" dirty="0"/>
+          </a:p>
+          <a:p>
+            <a:endParaRPr lang="en-US" dirty="0"/>
+          </a:p>
+        </p:txBody>
+      </p:sp>
+      <p:sp>
+        <p:nvSpPr>
+          <p:cNvPr id="24" name="TextBox 23"/>
+          <p:cNvSpPr txBox="1"/>
+          <p:nvPr/>
+        </p:nvSpPr>
+        <p:spPr>
+          <a:xfrm>
+            <a:off x="6874001" y="1192469"/>
+            <a:ext cx="1762819" cy="338554"/>
+          </a:xfrm>
+          <a:prstGeom prst="rect">
+            <a:avLst/>
+          </a:prstGeom>
+          <a:noFill/>
+        </p:spPr>
+        <p:txBody>
+          <a:bodyPr wrap="square" rtlCol="0">
+            <a:spAutoFit/>
+          </a:bodyPr>
+          <a:lstStyle/>
+          <a:p>
+            <a:pPr algn="ctr"/>
+            <a:r>
+              <a:rPr lang="sv-SE" sz="1600" b="1" dirty="0" smtClean="0"/>
+              <a:t>Step 4</a:t>
+            </a:r>
+            <a:endParaRPr lang="en-US" sz="1600" b="1" dirty="0"/>
+          </a:p>
+        </p:txBody>
+      </p:sp>
+      <p:sp>
+        <p:nvSpPr>
+          <p:cNvPr id="9" name="TextBox 8"/>
+          <p:cNvSpPr txBox="1"/>
+          <p:nvPr/>
+        </p:nvSpPr>
+        <p:spPr>
+          <a:xfrm>
+            <a:off x="3881504" y="780093"/>
+            <a:ext cx="1744126" cy="338554"/>
+          </a:xfrm>
+          <a:prstGeom prst="rect">
+            <a:avLst/>
+          </a:prstGeom>
+          <a:noFill/>
+        </p:spPr>
+        <p:txBody>
+          <a:bodyPr wrap="square" rtlCol="0">
+            <a:spAutoFit/>
+          </a:bodyPr>
+          <a:lstStyle/>
+          <a:p>
+            <a:r>
+              <a:rPr lang="sv-SE" sz="1600" b="1" dirty="0" smtClean="0"/>
+              <a:t>* May 2018</a:t>
+            </a:r>
+            <a:endParaRPr lang="en-US" sz="1600" b="1" dirty="0" smtClean="0"/>
+          </a:p>
+        </p:txBody>
+      </p:sp>
+      <p:sp>
+        <p:nvSpPr>
+          <p:cNvPr id="10" name="TextBox 9"/>
+          <p:cNvSpPr txBox="1"/>
+          <p:nvPr/>
+        </p:nvSpPr>
+        <p:spPr>
+          <a:xfrm>
+            <a:off x="5177641" y="5510151"/>
+            <a:ext cx="3693227" cy="400110"/>
+          </a:xfrm>
+          <a:prstGeom prst="rect">
+            <a:avLst/>
+          </a:prstGeom>
+          <a:noFill/>
+        </p:spPr>
+        <p:txBody>
+          <a:bodyPr wrap="square" rtlCol="0">
+            <a:spAutoFit/>
+          </a:bodyPr>
+          <a:lstStyle/>
+          <a:p>
+            <a:r>
+              <a:rPr lang="sv-SE" sz="2000" b="1" dirty="0" smtClean="0"/>
+              <a:t>* =P2952 (FH and FM update)</a:t>
+            </a:r>
+            <a:endParaRPr lang="en-US" sz="2000" b="1" dirty="0" smtClean="0"/>
           </a:p>
         </p:txBody>
       </p:sp>
     </p:spTree>
     <p:extLst>
       <p:ext uri="{BB962C8B-B14F-4D97-AF65-F5344CB8AC3E}">
-        <p14:creationId xmlns:p14="http://schemas.microsoft.com/office/powerpoint/2010/main" val="2052670739"/>
+        <p14:creationId xmlns:p14="http://schemas.microsoft.com/office/powerpoint/2010/main" val="3496556521"/>
       </p:ext>
     </p:extLst>
   </p:cSld>
@@ -6098,728 +6606,7 @@
       </p:grpSpPr>
       <p:sp>
         <p:nvSpPr>
-          <p:cNvPr id="56" name="Pentagon 55"/>
-          <p:cNvSpPr/>
-          <p:nvPr/>
-        </p:nvSpPr>
-        <p:spPr bwMode="auto">
-          <a:xfrm>
-            <a:off x="250473" y="2268171"/>
-            <a:ext cx="2323728" cy="465916"/>
-          </a:xfrm>
-          <a:prstGeom prst="homePlate">
-            <a:avLst/>
-          </a:prstGeom>
-          <a:solidFill>
-            <a:srgbClr val="F9F686"/>
-          </a:solidFill>
-          <a:ln>
-            <a:headEnd/>
-            <a:tailEnd/>
-          </a:ln>
-          <a:extLst/>
-        </p:spPr>
-        <p:style>
-          <a:lnRef idx="1">
-            <a:schemeClr val="accent4"/>
-          </a:lnRef>
-          <a:fillRef idx="2">
-            <a:schemeClr val="accent4"/>
-          </a:fillRef>
-          <a:effectRef idx="1">
-            <a:schemeClr val="accent4"/>
-          </a:effectRef>
-          <a:fontRef idx="minor">
-            <a:schemeClr val="dk1"/>
-          </a:fontRef>
-        </p:style>
-        <p:txBody>
-          <a:bodyPr wrap="none" anchor="ctr"/>
-          <a:lstStyle/>
-          <a:p>
-            <a:pPr algn="ctr">
-              <a:spcBef>
-                <a:spcPct val="0"/>
-              </a:spcBef>
-              <a:defRPr/>
-            </a:pPr>
-            <a:endParaRPr lang="sv-SE" sz="1200" dirty="0" smtClean="0"/>
-          </a:p>
-          <a:p>
-            <a:pPr algn="ctr">
-              <a:spcBef>
-                <a:spcPct val="0"/>
-              </a:spcBef>
-              <a:defRPr/>
-            </a:pPr>
-            <a:r>
-              <a:rPr lang="sv-SE" sz="1200" dirty="0" smtClean="0"/>
-              <a:t>Disable PVT manager</a:t>
-            </a:r>
-          </a:p>
-          <a:p>
-            <a:pPr algn="ctr">
-              <a:spcBef>
-                <a:spcPct val="0"/>
-              </a:spcBef>
-              <a:defRPr/>
-            </a:pPr>
-            <a:endParaRPr lang="en-US" sz="1200" dirty="0"/>
-          </a:p>
-        </p:txBody>
-      </p:sp>
-      <p:sp>
-        <p:nvSpPr>
-          <p:cNvPr id="61" name="Pentagon 60"/>
-          <p:cNvSpPr/>
-          <p:nvPr/>
-        </p:nvSpPr>
-        <p:spPr bwMode="auto">
-          <a:xfrm>
-            <a:off x="250473" y="1691558"/>
-            <a:ext cx="1800200" cy="420688"/>
-          </a:xfrm>
-          <a:prstGeom prst="homePlate">
-            <a:avLst/>
-          </a:prstGeom>
-          <a:solidFill>
-            <a:srgbClr val="F9F686"/>
-          </a:solidFill>
-          <a:ln>
-            <a:headEnd/>
-            <a:tailEnd/>
-          </a:ln>
-          <a:extLst/>
-        </p:spPr>
-        <p:style>
-          <a:lnRef idx="1">
-            <a:schemeClr val="accent4"/>
-          </a:lnRef>
-          <a:fillRef idx="2">
-            <a:schemeClr val="accent4"/>
-          </a:fillRef>
-          <a:effectRef idx="1">
-            <a:schemeClr val="accent4"/>
-          </a:effectRef>
-          <a:fontRef idx="minor">
-            <a:schemeClr val="dk1"/>
-          </a:fontRef>
-        </p:style>
-        <p:txBody>
-          <a:bodyPr wrap="none" anchor="ctr"/>
-          <a:lstStyle/>
-          <a:p>
-            <a:pPr algn="ctr">
-              <a:spcBef>
-                <a:spcPct val="0"/>
-              </a:spcBef>
-              <a:defRPr/>
-            </a:pPr>
-            <a:r>
-              <a:rPr lang="sv-SE" sz="1200" dirty="0" smtClean="0">
-                <a:solidFill>
-                  <a:schemeClr val="tx1"/>
-                </a:solidFill>
-              </a:rPr>
-              <a:t>Test Manager</a:t>
-            </a:r>
-          </a:p>
-          <a:p>
-            <a:pPr algn="ctr">
-              <a:spcBef>
-                <a:spcPct val="0"/>
-              </a:spcBef>
-              <a:defRPr/>
-            </a:pPr>
-            <a:r>
-              <a:rPr lang="sv-SE" sz="1200" dirty="0" smtClean="0">
-                <a:solidFill>
-                  <a:schemeClr val="tx1"/>
-                </a:solidFill>
-              </a:rPr>
-              <a:t>  Prepare test - core</a:t>
-            </a:r>
-            <a:endParaRPr lang="en-US" sz="1200" dirty="0">
-              <a:solidFill>
-                <a:schemeClr val="tx1"/>
-              </a:solidFill>
-            </a:endParaRPr>
-          </a:p>
-        </p:txBody>
-      </p:sp>
-      <p:sp>
-        <p:nvSpPr>
-          <p:cNvPr id="62" name="Pentagon 61"/>
-          <p:cNvSpPr/>
-          <p:nvPr/>
-        </p:nvSpPr>
-        <p:spPr bwMode="auto">
-          <a:xfrm>
-            <a:off x="2841761" y="1679684"/>
-            <a:ext cx="1647111" cy="420687"/>
-          </a:xfrm>
-          <a:prstGeom prst="homePlate">
-            <a:avLst/>
-          </a:prstGeom>
-          <a:solidFill>
-            <a:srgbClr val="F9F686"/>
-          </a:solidFill>
-          <a:ln>
-            <a:headEnd/>
-            <a:tailEnd/>
-          </a:ln>
-          <a:extLst/>
-        </p:spPr>
-        <p:style>
-          <a:lnRef idx="1">
-            <a:schemeClr val="accent4"/>
-          </a:lnRef>
-          <a:fillRef idx="2">
-            <a:schemeClr val="accent4"/>
-          </a:fillRef>
-          <a:effectRef idx="1">
-            <a:schemeClr val="accent4"/>
-          </a:effectRef>
-          <a:fontRef idx="minor">
-            <a:schemeClr val="dk1"/>
-          </a:fontRef>
-        </p:style>
-        <p:txBody>
-          <a:bodyPr wrap="none" anchor="ctr"/>
-          <a:lstStyle/>
-          <a:p>
-            <a:pPr algn="ctr">
-              <a:spcBef>
-                <a:spcPct val="0"/>
-              </a:spcBef>
-              <a:defRPr/>
-            </a:pPr>
-            <a:r>
-              <a:rPr lang="sv-SE" sz="1200" dirty="0" smtClean="0">
-                <a:solidFill>
-                  <a:schemeClr val="tx1"/>
-                </a:solidFill>
-              </a:rPr>
-              <a:t>Test Manager</a:t>
-            </a:r>
-          </a:p>
-          <a:p>
-            <a:pPr algn="ctr">
-              <a:spcBef>
-                <a:spcPct val="0"/>
-              </a:spcBef>
-              <a:defRPr/>
-            </a:pPr>
-            <a:r>
-              <a:rPr lang="sv-SE" sz="1200" dirty="0" smtClean="0">
-                <a:solidFill>
-                  <a:schemeClr val="tx1"/>
-                </a:solidFill>
-              </a:rPr>
-              <a:t>Perform test - core </a:t>
-            </a:r>
-            <a:endParaRPr lang="en-US" sz="1200" dirty="0">
-              <a:solidFill>
-                <a:schemeClr val="tx1"/>
-              </a:solidFill>
-            </a:endParaRPr>
-          </a:p>
-        </p:txBody>
-      </p:sp>
-      <p:sp>
-        <p:nvSpPr>
-          <p:cNvPr id="2" name="Title 1"/>
-          <p:cNvSpPr>
-            <a:spLocks noGrp="1"/>
-          </p:cNvSpPr>
-          <p:nvPr>
-            <p:ph type="title"/>
-          </p:nvPr>
-        </p:nvSpPr>
-        <p:spPr>
-          <a:xfrm>
-            <a:off x="153816" y="210213"/>
-            <a:ext cx="8003232" cy="346050"/>
-          </a:xfrm>
-        </p:spPr>
-        <p:txBody>
-          <a:bodyPr>
-            <a:noAutofit/>
-          </a:bodyPr>
-          <a:lstStyle/>
-          <a:p>
-            <a:r>
-              <a:rPr lang="sv-SE" sz="3200" dirty="0" smtClean="0"/>
-              <a:t>Suggested Roadmap</a:t>
-            </a:r>
-            <a:endParaRPr lang="en-US" sz="3200" dirty="0"/>
-          </a:p>
-        </p:txBody>
-      </p:sp>
-      <p:sp>
-        <p:nvSpPr>
-          <p:cNvPr id="22" name="Pentagon 21"/>
-          <p:cNvSpPr/>
-          <p:nvPr/>
-        </p:nvSpPr>
-        <p:spPr bwMode="auto">
-          <a:xfrm>
-            <a:off x="4784401" y="1629099"/>
-            <a:ext cx="1739122" cy="420687"/>
-          </a:xfrm>
-          <a:prstGeom prst="homePlate">
-            <a:avLst/>
-          </a:prstGeom>
-          <a:solidFill>
-            <a:srgbClr val="F9F686"/>
-          </a:solidFill>
-          <a:ln>
-            <a:headEnd/>
-            <a:tailEnd/>
-          </a:ln>
-          <a:extLst/>
-        </p:spPr>
-        <p:style>
-          <a:lnRef idx="1">
-            <a:schemeClr val="accent4"/>
-          </a:lnRef>
-          <a:fillRef idx="2">
-            <a:schemeClr val="accent4"/>
-          </a:fillRef>
-          <a:effectRef idx="1">
-            <a:schemeClr val="accent4"/>
-          </a:effectRef>
-          <a:fontRef idx="minor">
-            <a:schemeClr val="dk1"/>
-          </a:fontRef>
-        </p:style>
-        <p:txBody>
-          <a:bodyPr wrap="none" anchor="ctr"/>
-          <a:lstStyle/>
-          <a:p>
-            <a:pPr algn="ctr">
-              <a:spcBef>
-                <a:spcPct val="0"/>
-              </a:spcBef>
-            </a:pPr>
-            <a:r>
-              <a:rPr lang="sv-SE" sz="1200" dirty="0" smtClean="0"/>
-              <a:t>Replace\update RDM</a:t>
-            </a:r>
-            <a:endParaRPr lang="en-US" sz="1200" dirty="0"/>
-          </a:p>
-        </p:txBody>
-      </p:sp>
-      <p:sp>
-        <p:nvSpPr>
-          <p:cNvPr id="3" name="TextBox 2"/>
-          <p:cNvSpPr txBox="1"/>
-          <p:nvPr/>
-        </p:nvSpPr>
-        <p:spPr>
-          <a:xfrm>
-            <a:off x="189217" y="1192469"/>
-            <a:ext cx="1922711" cy="338554"/>
-          </a:xfrm>
-          <a:prstGeom prst="rect">
-            <a:avLst/>
-          </a:prstGeom>
-          <a:noFill/>
-        </p:spPr>
-        <p:txBody>
-          <a:bodyPr wrap="square" rtlCol="0">
-            <a:spAutoFit/>
-          </a:bodyPr>
-          <a:lstStyle/>
-          <a:p>
-            <a:pPr algn="ctr"/>
-            <a:r>
-              <a:rPr lang="sv-SE" sz="1600" b="1" dirty="0" smtClean="0"/>
-              <a:t>Step 1</a:t>
-            </a:r>
-            <a:endParaRPr lang="en-US" sz="1600" b="1" dirty="0"/>
-          </a:p>
-        </p:txBody>
-      </p:sp>
-      <p:cxnSp>
-        <p:nvCxnSpPr>
-          <p:cNvPr id="5" name="Straight Connector 4"/>
-          <p:cNvCxnSpPr/>
-          <p:nvPr/>
-        </p:nvCxnSpPr>
-        <p:spPr>
-          <a:xfrm>
-            <a:off x="2706043" y="949370"/>
-            <a:ext cx="0" cy="1836034"/>
-          </a:xfrm>
-          <a:prstGeom prst="line">
-            <a:avLst/>
-          </a:prstGeom>
-          <a:ln w="31750" cmpd="sng"/>
-        </p:spPr>
-        <p:style>
-          <a:lnRef idx="1">
-            <a:schemeClr val="accent1"/>
-          </a:lnRef>
-          <a:fillRef idx="0">
-            <a:schemeClr val="accent1"/>
-          </a:fillRef>
-          <a:effectRef idx="0">
-            <a:schemeClr val="accent1"/>
-          </a:effectRef>
-          <a:fontRef idx="minor">
-            <a:schemeClr val="tx1"/>
-          </a:fontRef>
-        </p:style>
-      </p:cxnSp>
-      <p:sp>
-        <p:nvSpPr>
-          <p:cNvPr id="29" name="TextBox 28"/>
-          <p:cNvSpPr txBox="1"/>
-          <p:nvPr/>
-        </p:nvSpPr>
-        <p:spPr>
-          <a:xfrm>
-            <a:off x="2706043" y="1192469"/>
-            <a:ext cx="1782830" cy="338554"/>
-          </a:xfrm>
-          <a:prstGeom prst="rect">
-            <a:avLst/>
-          </a:prstGeom>
-          <a:noFill/>
-        </p:spPr>
-        <p:txBody>
-          <a:bodyPr wrap="square" rtlCol="0">
-            <a:spAutoFit/>
-          </a:bodyPr>
-          <a:lstStyle/>
-          <a:p>
-            <a:pPr algn="ctr"/>
-            <a:r>
-              <a:rPr lang="sv-SE" sz="1600" b="1" dirty="0" smtClean="0"/>
-              <a:t>Step 2</a:t>
-            </a:r>
-            <a:endParaRPr lang="en-US" sz="1600" b="1" dirty="0"/>
-          </a:p>
-        </p:txBody>
-      </p:sp>
-      <p:cxnSp>
-        <p:nvCxnSpPr>
-          <p:cNvPr id="33" name="Straight Connector 32"/>
-          <p:cNvCxnSpPr/>
-          <p:nvPr/>
-        </p:nvCxnSpPr>
-        <p:spPr>
-          <a:xfrm>
-            <a:off x="4619129" y="1061253"/>
-            <a:ext cx="0" cy="1836034"/>
-          </a:xfrm>
-          <a:prstGeom prst="line">
-            <a:avLst/>
-          </a:prstGeom>
-          <a:ln w="31750" cmpd="sng"/>
-        </p:spPr>
-        <p:style>
-          <a:lnRef idx="1">
-            <a:schemeClr val="accent1"/>
-          </a:lnRef>
-          <a:fillRef idx="0">
-            <a:schemeClr val="accent1"/>
-          </a:fillRef>
-          <a:effectRef idx="0">
-            <a:schemeClr val="accent1"/>
-          </a:effectRef>
-          <a:fontRef idx="minor">
-            <a:schemeClr val="tx1"/>
-          </a:fontRef>
-        </p:style>
-      </p:cxnSp>
-      <p:sp>
-        <p:nvSpPr>
-          <p:cNvPr id="34" name="TextBox 33"/>
-          <p:cNvSpPr txBox="1"/>
-          <p:nvPr/>
-        </p:nvSpPr>
-        <p:spPr>
-          <a:xfrm>
-            <a:off x="5092291" y="1192469"/>
-            <a:ext cx="1123341" cy="338554"/>
-          </a:xfrm>
-          <a:prstGeom prst="rect">
-            <a:avLst/>
-          </a:prstGeom>
-          <a:noFill/>
-        </p:spPr>
-        <p:txBody>
-          <a:bodyPr wrap="square" rtlCol="0">
-            <a:spAutoFit/>
-          </a:bodyPr>
-          <a:lstStyle/>
-          <a:p>
-            <a:pPr algn="ctr"/>
-            <a:r>
-              <a:rPr lang="sv-SE" sz="1600" b="1" dirty="0" smtClean="0"/>
-              <a:t>Step 3</a:t>
-            </a:r>
-            <a:endParaRPr lang="en-US" sz="1600" b="1" dirty="0"/>
-          </a:p>
-        </p:txBody>
-      </p:sp>
-      <p:sp>
-        <p:nvSpPr>
-          <p:cNvPr id="36" name="Pentagon 35"/>
-          <p:cNvSpPr/>
-          <p:nvPr/>
-        </p:nvSpPr>
-        <p:spPr bwMode="auto">
-          <a:xfrm>
-            <a:off x="4753567" y="2268171"/>
-            <a:ext cx="2024129" cy="420687"/>
-          </a:xfrm>
-          <a:prstGeom prst="homePlate">
-            <a:avLst/>
-          </a:prstGeom>
-          <a:solidFill>
-            <a:srgbClr val="F9F686"/>
-          </a:solidFill>
-          <a:ln>
-            <a:headEnd/>
-            <a:tailEnd/>
-          </a:ln>
-          <a:extLst/>
-        </p:spPr>
-        <p:style>
-          <a:lnRef idx="1">
-            <a:schemeClr val="accent4"/>
-          </a:lnRef>
-          <a:fillRef idx="2">
-            <a:schemeClr val="accent4"/>
-          </a:fillRef>
-          <a:effectRef idx="1">
-            <a:schemeClr val="accent4"/>
-          </a:effectRef>
-          <a:fontRef idx="minor">
-            <a:schemeClr val="dk1"/>
-          </a:fontRef>
-        </p:style>
-        <p:txBody>
-          <a:bodyPr wrap="none" anchor="ctr"/>
-          <a:lstStyle/>
-          <a:p>
-            <a:pPr algn="ctr">
-              <a:spcBef>
-                <a:spcPct val="0"/>
-              </a:spcBef>
-              <a:defRPr/>
-            </a:pPr>
-            <a:r>
-              <a:rPr lang="sv-SE" sz="1200" dirty="0" smtClean="0">
-                <a:solidFill>
-                  <a:schemeClr val="tx1"/>
-                </a:solidFill>
-              </a:rPr>
-              <a:t>Replace Efacts functionality </a:t>
-            </a:r>
-            <a:endParaRPr lang="en-US" sz="1200" dirty="0">
-              <a:solidFill>
-                <a:schemeClr val="tx1"/>
-              </a:solidFill>
-            </a:endParaRPr>
-          </a:p>
-        </p:txBody>
-      </p:sp>
-      <p:sp>
-        <p:nvSpPr>
-          <p:cNvPr id="8" name="TextBox 7"/>
-          <p:cNvSpPr txBox="1"/>
-          <p:nvPr/>
-        </p:nvSpPr>
-        <p:spPr>
-          <a:xfrm>
-            <a:off x="250473" y="2837768"/>
-            <a:ext cx="2455570" cy="2785378"/>
-          </a:xfrm>
-          <a:prstGeom prst="rect">
-            <a:avLst/>
-          </a:prstGeom>
-          <a:noFill/>
-        </p:spPr>
-        <p:txBody>
-          <a:bodyPr wrap="square" rtlCol="0">
-            <a:spAutoFit/>
-          </a:bodyPr>
-          <a:lstStyle/>
-          <a:p>
-            <a:pPr marL="285750" indent="-285750">
-              <a:buFont typeface="Arial" panose="020B0604020202020204" pitchFamily="34" charset="0"/>
-              <a:buChar char="•"/>
-            </a:pPr>
-            <a:r>
-              <a:rPr lang="sv-SE" sz="1400" dirty="0" smtClean="0"/>
-              <a:t>Establish new TM with it’s own Database</a:t>
-            </a:r>
-          </a:p>
-          <a:p>
-            <a:pPr marL="285750" indent="-285750">
-              <a:buFont typeface="Arial" panose="020B0604020202020204" pitchFamily="34" charset="0"/>
-              <a:buChar char="•"/>
-            </a:pPr>
-            <a:r>
-              <a:rPr lang="sv-SE" sz="1400" dirty="0" smtClean="0"/>
-              <a:t>Extend test specification with procedure and routine</a:t>
-            </a:r>
-          </a:p>
-          <a:p>
-            <a:pPr marL="285750" indent="-285750">
-              <a:buFont typeface="Arial" panose="020B0604020202020204" pitchFamily="34" charset="0"/>
-              <a:buChar char="•"/>
-            </a:pPr>
-            <a:r>
-              <a:rPr lang="sv-SE" sz="1400" dirty="0" smtClean="0"/>
-              <a:t>Improve filtering test cases towards test object</a:t>
-            </a:r>
-          </a:p>
-          <a:p>
-            <a:pPr marL="285750" indent="-285750">
-              <a:buFont typeface="Arial" panose="020B0604020202020204" pitchFamily="34" charset="0"/>
-              <a:buChar char="•"/>
-            </a:pPr>
-            <a:r>
-              <a:rPr lang="sv-SE" sz="1400" dirty="0" smtClean="0"/>
-              <a:t>Secure information exchange between New TM and Efacts</a:t>
-            </a:r>
-            <a:endParaRPr lang="en-US" sz="1400" dirty="0"/>
-          </a:p>
-        </p:txBody>
-      </p:sp>
-      <p:sp>
-        <p:nvSpPr>
-          <p:cNvPr id="38" name="TextBox 37"/>
-          <p:cNvSpPr txBox="1"/>
-          <p:nvPr/>
-        </p:nvSpPr>
-        <p:spPr>
-          <a:xfrm>
-            <a:off x="2841762" y="2837768"/>
-            <a:ext cx="1647111" cy="1169551"/>
-          </a:xfrm>
-          <a:prstGeom prst="rect">
-            <a:avLst/>
-          </a:prstGeom>
-          <a:noFill/>
-        </p:spPr>
-        <p:txBody>
-          <a:bodyPr wrap="square" rtlCol="0">
-            <a:spAutoFit/>
-          </a:bodyPr>
-          <a:lstStyle/>
-          <a:p>
-            <a:pPr marL="285750" indent="-285750">
-              <a:buFont typeface="Arial" panose="020B0604020202020204" pitchFamily="34" charset="0"/>
-              <a:buChar char="•"/>
-            </a:pPr>
-            <a:r>
-              <a:rPr lang="sv-SE" sz="1400" dirty="0"/>
-              <a:t>Establish basic system functionality for tester through </a:t>
-            </a:r>
-            <a:r>
-              <a:rPr lang="sv-SE" sz="1400" dirty="0" smtClean="0"/>
-              <a:t>tablet</a:t>
-            </a:r>
-          </a:p>
-        </p:txBody>
-      </p:sp>
-      <p:sp>
-        <p:nvSpPr>
-          <p:cNvPr id="39" name="TextBox 38"/>
-          <p:cNvSpPr txBox="1"/>
-          <p:nvPr/>
-        </p:nvSpPr>
-        <p:spPr>
-          <a:xfrm>
-            <a:off x="4784401" y="2897287"/>
-            <a:ext cx="2160928" cy="1169551"/>
-          </a:xfrm>
-          <a:prstGeom prst="rect">
-            <a:avLst/>
-          </a:prstGeom>
-          <a:noFill/>
-        </p:spPr>
-        <p:txBody>
-          <a:bodyPr wrap="square" rtlCol="0">
-            <a:spAutoFit/>
-          </a:bodyPr>
-          <a:lstStyle/>
-          <a:p>
-            <a:pPr marL="285750" indent="-285750">
-              <a:buFont typeface="Arial" panose="020B0604020202020204" pitchFamily="34" charset="0"/>
-              <a:buChar char="•"/>
-            </a:pPr>
-            <a:r>
-              <a:rPr lang="sv-SE" sz="1400" dirty="0" smtClean="0"/>
-              <a:t>Replace </a:t>
-            </a:r>
-            <a:r>
-              <a:rPr lang="sv-SE" sz="1400" dirty="0"/>
-              <a:t>RDM </a:t>
-            </a:r>
-            <a:r>
-              <a:rPr lang="sv-SE" sz="1400" dirty="0" smtClean="0"/>
-              <a:t>functionality</a:t>
-            </a:r>
-          </a:p>
-          <a:p>
-            <a:pPr marL="285750" indent="-285750">
-              <a:buFont typeface="Arial" panose="020B0604020202020204" pitchFamily="34" charset="0"/>
-              <a:buChar char="•"/>
-            </a:pPr>
-            <a:r>
-              <a:rPr lang="sv-SE" sz="1400" dirty="0"/>
-              <a:t>Replace Efacts</a:t>
-            </a:r>
-          </a:p>
-          <a:p>
-            <a:endParaRPr lang="sv-SE" sz="1400" dirty="0"/>
-          </a:p>
-          <a:p>
-            <a:endParaRPr lang="sv-SE" sz="1400" dirty="0"/>
-          </a:p>
-        </p:txBody>
-      </p:sp>
-      <p:sp>
-        <p:nvSpPr>
-          <p:cNvPr id="4" name="Date Placeholder 3"/>
-          <p:cNvSpPr>
-            <a:spLocks noGrp="1"/>
-          </p:cNvSpPr>
-          <p:nvPr>
-            <p:ph type="dt" sz="half" idx="12"/>
-          </p:nvPr>
-        </p:nvSpPr>
-        <p:spPr/>
-        <p:txBody>
-          <a:bodyPr/>
-          <a:lstStyle/>
-          <a:p>
-            <a:fld id="{C5B67FFC-88A1-426F-B8DC-12F1D739EF6A}" type="datetime1">
-              <a:rPr lang="en-GB" smtClean="0">
-                <a:solidFill>
-                  <a:srgbClr val="000000"/>
-                </a:solidFill>
-              </a:rPr>
-              <a:t>19/01/2017</a:t>
-            </a:fld>
-            <a:endParaRPr lang="en-US" dirty="0">
-              <a:solidFill>
-                <a:srgbClr val="000000"/>
-              </a:solidFill>
-            </a:endParaRPr>
-          </a:p>
-        </p:txBody>
-      </p:sp>
-      <p:sp>
-        <p:nvSpPr>
-          <p:cNvPr id="6" name="Footer Placeholder 5"/>
+          <p:cNvPr id="3" name="Footer Placeholder 2"/>
           <p:cNvSpPr>
             <a:spLocks noGrp="1"/>
           </p:cNvSpPr>
@@ -6850,7 +6637,7 @@
       </p:sp>
       <p:sp>
         <p:nvSpPr>
-          <p:cNvPr id="7" name="Slide Number Placeholder 6"/>
+          <p:cNvPr id="4" name="Slide Number Placeholder 3"/>
           <p:cNvSpPr>
             <a:spLocks noGrp="1"/>
           </p:cNvSpPr>
@@ -6871,446 +6658,6 @@
               </a:rPr>
               <a:pPr/>
               <a:t>4</a:t>
-            </a:fld>
-            <a:endParaRPr lang="en-US" dirty="0">
-              <a:solidFill>
-                <a:srgbClr val="000000"/>
-              </a:solidFill>
-            </a:endParaRPr>
-          </a:p>
-        </p:txBody>
-      </p:sp>
-      <p:cxnSp>
-        <p:nvCxnSpPr>
-          <p:cNvPr id="19" name="Straight Connector 18"/>
-          <p:cNvCxnSpPr/>
-          <p:nvPr/>
-        </p:nvCxnSpPr>
-        <p:spPr>
-          <a:xfrm>
-            <a:off x="6826575" y="1192469"/>
-            <a:ext cx="0" cy="1836034"/>
-          </a:xfrm>
-          <a:prstGeom prst="line">
-            <a:avLst/>
-          </a:prstGeom>
-          <a:ln w="31750" cmpd="sng"/>
-        </p:spPr>
-        <p:style>
-          <a:lnRef idx="1">
-            <a:schemeClr val="accent1"/>
-          </a:lnRef>
-          <a:fillRef idx="0">
-            <a:schemeClr val="accent1"/>
-          </a:fillRef>
-          <a:effectRef idx="0">
-            <a:schemeClr val="accent1"/>
-          </a:effectRef>
-          <a:fontRef idx="minor">
-            <a:schemeClr val="tx1"/>
-          </a:fontRef>
-        </p:style>
-      </p:cxnSp>
-      <p:sp>
-        <p:nvSpPr>
-          <p:cNvPr id="20" name="Pentagon 19"/>
-          <p:cNvSpPr/>
-          <p:nvPr/>
-        </p:nvSpPr>
-        <p:spPr bwMode="auto">
-          <a:xfrm>
-            <a:off x="6936931" y="1657043"/>
-            <a:ext cx="1753914" cy="420688"/>
-          </a:xfrm>
-          <a:prstGeom prst="homePlate">
-            <a:avLst/>
-          </a:prstGeom>
-          <a:solidFill>
-            <a:srgbClr val="F9F686"/>
-          </a:solidFill>
-          <a:ln>
-            <a:headEnd/>
-            <a:tailEnd/>
-          </a:ln>
-          <a:extLst/>
-        </p:spPr>
-        <p:style>
-          <a:lnRef idx="1">
-            <a:schemeClr val="accent4"/>
-          </a:lnRef>
-          <a:fillRef idx="2">
-            <a:schemeClr val="accent4"/>
-          </a:fillRef>
-          <a:effectRef idx="1">
-            <a:schemeClr val="accent4"/>
-          </a:effectRef>
-          <a:fontRef idx="minor">
-            <a:schemeClr val="dk1"/>
-          </a:fontRef>
-        </p:style>
-        <p:txBody>
-          <a:bodyPr wrap="none" anchor="ctr"/>
-          <a:lstStyle/>
-          <a:p>
-            <a:pPr algn="ctr">
-              <a:spcBef>
-                <a:spcPct val="0"/>
-              </a:spcBef>
-              <a:defRPr/>
-            </a:pPr>
-            <a:r>
-              <a:rPr lang="sv-SE" sz="1200" dirty="0" smtClean="0">
-                <a:solidFill>
-                  <a:schemeClr val="tx1"/>
-                </a:solidFill>
-              </a:rPr>
-              <a:t>Test Manager</a:t>
-            </a:r>
-          </a:p>
-          <a:p>
-            <a:pPr algn="ctr">
-              <a:spcBef>
-                <a:spcPct val="0"/>
-              </a:spcBef>
-              <a:defRPr/>
-            </a:pPr>
-            <a:r>
-              <a:rPr lang="sv-SE" sz="1200" dirty="0" smtClean="0">
-                <a:solidFill>
-                  <a:schemeClr val="tx1"/>
-                </a:solidFill>
-              </a:rPr>
-              <a:t> Prepare test - Extended</a:t>
-            </a:r>
-            <a:endParaRPr lang="en-US" sz="1200" dirty="0">
-              <a:solidFill>
-                <a:schemeClr val="tx1"/>
-              </a:solidFill>
-            </a:endParaRPr>
-          </a:p>
-        </p:txBody>
-      </p:sp>
-      <p:sp>
-        <p:nvSpPr>
-          <p:cNvPr id="21" name="Pentagon 20"/>
-          <p:cNvSpPr/>
-          <p:nvPr/>
-        </p:nvSpPr>
-        <p:spPr bwMode="auto">
-          <a:xfrm>
-            <a:off x="6936931" y="2290785"/>
-            <a:ext cx="2198671" cy="420687"/>
-          </a:xfrm>
-          <a:prstGeom prst="homePlate">
-            <a:avLst/>
-          </a:prstGeom>
-          <a:solidFill>
-            <a:srgbClr val="F9F686"/>
-          </a:solidFill>
-          <a:ln>
-            <a:headEnd/>
-            <a:tailEnd/>
-          </a:ln>
-          <a:extLst/>
-        </p:spPr>
-        <p:style>
-          <a:lnRef idx="1">
-            <a:schemeClr val="accent4"/>
-          </a:lnRef>
-          <a:fillRef idx="2">
-            <a:schemeClr val="accent4"/>
-          </a:fillRef>
-          <a:effectRef idx="1">
-            <a:schemeClr val="accent4"/>
-          </a:effectRef>
-          <a:fontRef idx="minor">
-            <a:schemeClr val="dk1"/>
-          </a:fontRef>
-        </p:style>
-        <p:txBody>
-          <a:bodyPr wrap="none" anchor="ctr"/>
-          <a:lstStyle/>
-          <a:p>
-            <a:pPr algn="ctr">
-              <a:spcBef>
-                <a:spcPct val="0"/>
-              </a:spcBef>
-              <a:defRPr/>
-            </a:pPr>
-            <a:r>
-              <a:rPr lang="sv-SE" sz="1200" dirty="0" smtClean="0">
-                <a:solidFill>
-                  <a:schemeClr val="tx1"/>
-                </a:solidFill>
-              </a:rPr>
-              <a:t>Test Manager </a:t>
-            </a:r>
-          </a:p>
-          <a:p>
-            <a:pPr algn="ctr">
-              <a:spcBef>
-                <a:spcPct val="0"/>
-              </a:spcBef>
-              <a:defRPr/>
-            </a:pPr>
-            <a:r>
-              <a:rPr lang="sv-SE" sz="1200" dirty="0" smtClean="0">
-                <a:solidFill>
-                  <a:schemeClr val="tx1"/>
-                </a:solidFill>
-              </a:rPr>
-              <a:t>Perform test - Extended </a:t>
-            </a:r>
-            <a:endParaRPr lang="en-US" sz="1200" dirty="0">
-              <a:solidFill>
-                <a:schemeClr val="tx1"/>
-              </a:solidFill>
-            </a:endParaRPr>
-          </a:p>
-        </p:txBody>
-      </p:sp>
-      <p:sp>
-        <p:nvSpPr>
-          <p:cNvPr id="23" name="TextBox 22"/>
-          <p:cNvSpPr txBox="1"/>
-          <p:nvPr/>
-        </p:nvSpPr>
-        <p:spPr>
-          <a:xfrm>
-            <a:off x="6996742" y="2897287"/>
-            <a:ext cx="2079051" cy="1231106"/>
-          </a:xfrm>
-          <a:prstGeom prst="rect">
-            <a:avLst/>
-          </a:prstGeom>
-          <a:noFill/>
-        </p:spPr>
-        <p:txBody>
-          <a:bodyPr wrap="square" rtlCol="0">
-            <a:spAutoFit/>
-          </a:bodyPr>
-          <a:lstStyle/>
-          <a:p>
-            <a:pPr marL="285750" indent="-285750">
-              <a:buFont typeface="Arial" panose="020B0604020202020204" pitchFamily="34" charset="0"/>
-              <a:buChar char="•"/>
-            </a:pPr>
-            <a:r>
-              <a:rPr lang="sv-SE" sz="1400" dirty="0" smtClean="0"/>
-              <a:t>Extend </a:t>
-            </a:r>
-            <a:r>
-              <a:rPr lang="sv-SE" sz="1400" dirty="0"/>
-              <a:t>prepare test </a:t>
-            </a:r>
-            <a:r>
-              <a:rPr lang="sv-SE" sz="1400" dirty="0" smtClean="0"/>
-              <a:t>functionality</a:t>
-            </a:r>
-            <a:endParaRPr lang="sv-SE" sz="1400" dirty="0"/>
-          </a:p>
-          <a:p>
-            <a:pPr marL="285750" indent="-285750">
-              <a:buFont typeface="Arial" panose="020B0604020202020204" pitchFamily="34" charset="0"/>
-              <a:buChar char="•"/>
-            </a:pPr>
-            <a:r>
-              <a:rPr lang="sv-SE" sz="1400" dirty="0"/>
-              <a:t>Extend perform </a:t>
-            </a:r>
-            <a:r>
-              <a:rPr lang="sv-SE" sz="1400" dirty="0" smtClean="0"/>
-              <a:t>test functionality</a:t>
-            </a:r>
-            <a:endParaRPr lang="en-US" sz="1400" dirty="0"/>
-          </a:p>
-          <a:p>
-            <a:endParaRPr lang="en-US" dirty="0"/>
-          </a:p>
-        </p:txBody>
-      </p:sp>
-      <p:sp>
-        <p:nvSpPr>
-          <p:cNvPr id="24" name="TextBox 23"/>
-          <p:cNvSpPr txBox="1"/>
-          <p:nvPr/>
-        </p:nvSpPr>
-        <p:spPr>
-          <a:xfrm>
-            <a:off x="6874001" y="1192469"/>
-            <a:ext cx="1762819" cy="338554"/>
-          </a:xfrm>
-          <a:prstGeom prst="rect">
-            <a:avLst/>
-          </a:prstGeom>
-          <a:noFill/>
-        </p:spPr>
-        <p:txBody>
-          <a:bodyPr wrap="square" rtlCol="0">
-            <a:spAutoFit/>
-          </a:bodyPr>
-          <a:lstStyle/>
-          <a:p>
-            <a:pPr algn="ctr"/>
-            <a:r>
-              <a:rPr lang="sv-SE" sz="1600" b="1" dirty="0" smtClean="0"/>
-              <a:t>Step 4</a:t>
-            </a:r>
-            <a:endParaRPr lang="en-US" sz="1600" b="1" dirty="0"/>
-          </a:p>
-        </p:txBody>
-      </p:sp>
-      <p:sp>
-        <p:nvSpPr>
-          <p:cNvPr id="9" name="TextBox 8"/>
-          <p:cNvSpPr txBox="1"/>
-          <p:nvPr/>
-        </p:nvSpPr>
-        <p:spPr>
-          <a:xfrm>
-            <a:off x="3881504" y="780093"/>
-            <a:ext cx="1744126" cy="338554"/>
-          </a:xfrm>
-          <a:prstGeom prst="rect">
-            <a:avLst/>
-          </a:prstGeom>
-          <a:noFill/>
-        </p:spPr>
-        <p:txBody>
-          <a:bodyPr wrap="square" rtlCol="0">
-            <a:spAutoFit/>
-          </a:bodyPr>
-          <a:lstStyle/>
-          <a:p>
-            <a:r>
-              <a:rPr lang="sv-SE" sz="1600" b="1" dirty="0" smtClean="0"/>
-              <a:t>* May 2018</a:t>
-            </a:r>
-            <a:endParaRPr lang="en-US" sz="1600" b="1" dirty="0" smtClean="0"/>
-          </a:p>
-        </p:txBody>
-      </p:sp>
-      <p:sp>
-        <p:nvSpPr>
-          <p:cNvPr id="10" name="TextBox 9"/>
-          <p:cNvSpPr txBox="1"/>
-          <p:nvPr/>
-        </p:nvSpPr>
-        <p:spPr>
-          <a:xfrm>
-            <a:off x="5177641" y="5510151"/>
-            <a:ext cx="3693227" cy="400110"/>
-          </a:xfrm>
-          <a:prstGeom prst="rect">
-            <a:avLst/>
-          </a:prstGeom>
-          <a:noFill/>
-        </p:spPr>
-        <p:txBody>
-          <a:bodyPr wrap="square" rtlCol="0">
-            <a:spAutoFit/>
-          </a:bodyPr>
-          <a:lstStyle/>
-          <a:p>
-            <a:r>
-              <a:rPr lang="sv-SE" sz="2000" b="1" dirty="0" smtClean="0"/>
-              <a:t>* =P2952 (FH and FM update)</a:t>
-            </a:r>
-            <a:endParaRPr lang="en-US" sz="2000" b="1" dirty="0" smtClean="0"/>
-          </a:p>
-        </p:txBody>
-      </p:sp>
-    </p:spTree>
-    <p:extLst>
-      <p:ext uri="{BB962C8B-B14F-4D97-AF65-F5344CB8AC3E}">
-        <p14:creationId xmlns:p14="http://schemas.microsoft.com/office/powerpoint/2010/main" val="1766540723"/>
-      </p:ext>
-    </p:extLst>
-  </p:cSld>
-  <p:clrMapOvr>
-    <a:masterClrMapping/>
-  </p:clrMapOvr>
-  <p:timing>
-    <p:tnLst>
-      <p:par>
-        <p:cTn id="1" dur="indefinite" restart="never" nodeType="tmRoot"/>
-      </p:par>
-    </p:tnLst>
-  </p:timing>
-</p:sld>
-</file>
-
-<file path=ppt/slides/slide5.xml><?xml version="1.0" encoding="utf-8"?>
-<p:sld xmlns:a="http://schemas.openxmlformats.org/drawingml/2006/main" xmlns:r="http://schemas.openxmlformats.org/officeDocument/2006/relationships" xmlns:p="http://schemas.openxmlformats.org/presentationml/2006/main">
-  <p:cSld>
-    <p:spTree>
-      <p:nvGrpSpPr>
-        <p:cNvPr id="1" name=""/>
-        <p:cNvGrpSpPr/>
-        <p:nvPr/>
-      </p:nvGrpSpPr>
-      <p:grpSpPr>
-        <a:xfrm>
-          <a:off x="0" y="0"/>
-          <a:ext cx="0" cy="0"/>
-          <a:chOff x="0" y="0"/>
-          <a:chExt cx="0" cy="0"/>
-        </a:xfrm>
-      </p:grpSpPr>
-      <p:sp>
-        <p:nvSpPr>
-          <p:cNvPr id="3" name="Footer Placeholder 2"/>
-          <p:cNvSpPr>
-            <a:spLocks noGrp="1"/>
-          </p:cNvSpPr>
-          <p:nvPr>
-            <p:ph type="ftr" sz="quarter" idx="10"/>
-          </p:nvPr>
-        </p:nvSpPr>
-        <p:spPr/>
-        <p:txBody>
-          <a:bodyPr/>
-          <a:lstStyle/>
-          <a:p>
-            <a:r>
-              <a:rPr lang="en-US" smtClean="0">
-                <a:solidFill>
-                  <a:srgbClr val="000000"/>
-                </a:solidFill>
-              </a:rPr>
-              <a:t>Test Manager Solution, V&amp;V Portfolio</a:t>
-            </a:r>
-            <a:endParaRPr lang="en-US" dirty="0">
-              <a:solidFill>
-                <a:srgbClr val="000000"/>
-              </a:solidFill>
-            </a:endParaRPr>
-          </a:p>
-        </p:txBody>
-      </p:sp>
-      <p:sp>
-        <p:nvSpPr>
-          <p:cNvPr id="4" name="Slide Number Placeholder 3"/>
-          <p:cNvSpPr>
-            <a:spLocks noGrp="1"/>
-          </p:cNvSpPr>
-          <p:nvPr>
-            <p:ph type="sldNum" sz="quarter" idx="11"/>
-          </p:nvPr>
-        </p:nvSpPr>
-        <p:spPr/>
-        <p:txBody>
-          <a:bodyPr/>
-          <a:lstStyle/>
-          <a:p>
-            <a:fld id="{40E9AD42-C178-4DDF-86C3-EDC77BEDCFC5}" type="slidenum">
-              <a:rPr lang="en-US" smtClean="0">
-                <a:solidFill>
-                  <a:srgbClr val="000000"/>
-                </a:solidFill>
-              </a:rPr>
-              <a:pPr/>
-              <a:t>5</a:t>
             </a:fld>
             <a:endParaRPr lang="en-US" dirty="0">
               <a:solidFill>
@@ -10581,7 +9928,7 @@
                   <a:srgbClr val="000000"/>
                 </a:solidFill>
               </a:rPr>
-              <a:t>19/01/2017</a:t>
+              <a:t>08/02/2017</a:t>
             </a:fld>
             <a:endParaRPr lang="en-US" dirty="0">
               <a:solidFill>
@@ -10608,6 +9955,123 @@
       </p:par>
     </p:tnLst>
   </p:timing>
+</p:sld>
+</file>
+
+<file path=ppt/slides/slide5.xml><?xml version="1.0" encoding="utf-8"?>
+<p:sld xmlns:a="http://schemas.openxmlformats.org/drawingml/2006/main" xmlns:r="http://schemas.openxmlformats.org/officeDocument/2006/relationships" xmlns:p="http://schemas.openxmlformats.org/presentationml/2006/main">
+  <p:cSld>
+    <p:spTree>
+      <p:nvGrpSpPr>
+        <p:cNvPr id="1" name=""/>
+        <p:cNvGrpSpPr/>
+        <p:nvPr/>
+      </p:nvGrpSpPr>
+      <p:grpSpPr>
+        <a:xfrm>
+          <a:off x="0" y="0"/>
+          <a:ext cx="0" cy="0"/>
+          <a:chOff x="0" y="0"/>
+          <a:chExt cx="0" cy="0"/>
+        </a:xfrm>
+      </p:grpSpPr>
+      <p:sp>
+        <p:nvSpPr>
+          <p:cNvPr id="4" name="Title 3"/>
+          <p:cNvSpPr>
+            <a:spLocks noGrp="1"/>
+          </p:cNvSpPr>
+          <p:nvPr>
+            <p:ph type="title"/>
+          </p:nvPr>
+        </p:nvSpPr>
+        <p:spPr/>
+        <p:txBody>
+          <a:bodyPr>
+            <a:normAutofit/>
+          </a:bodyPr>
+          <a:lstStyle/>
+          <a:p>
+            <a:r>
+              <a:rPr lang="sv-SE" dirty="0"/>
+              <a:t>TCP Test Management - Prepare</a:t>
+            </a:r>
+            <a:endParaRPr lang="sv-SE" dirty="0"/>
+          </a:p>
+        </p:txBody>
+      </p:sp>
+      <p:sp>
+        <p:nvSpPr>
+          <p:cNvPr id="2" name="Content Placeholder 1"/>
+          <p:cNvSpPr>
+            <a:spLocks noGrp="1"/>
+          </p:cNvSpPr>
+          <p:nvPr>
+            <p:ph idx="1"/>
+          </p:nvPr>
+        </p:nvSpPr>
+        <p:spPr/>
+        <p:txBody>
+          <a:bodyPr/>
+          <a:lstStyle/>
+          <a:p>
+            <a:r>
+              <a:rPr lang="sv-SE" dirty="0" smtClean="0"/>
+              <a:t>Project Scope (-&gt; 2018-01)</a:t>
+            </a:r>
+          </a:p>
+          <a:p>
+            <a:pPr lvl="1"/>
+            <a:r>
+              <a:rPr lang="sv-SE" dirty="0" smtClean="0"/>
+              <a:t>Build new Application Test Manager</a:t>
+            </a:r>
+          </a:p>
+          <a:p>
+            <a:pPr lvl="1"/>
+            <a:r>
+              <a:rPr lang="sv-SE" dirty="0"/>
+              <a:t>Disable PVT Test Manager </a:t>
+            </a:r>
+            <a:r>
+              <a:rPr lang="sv-SE" dirty="0" smtClean="0"/>
+              <a:t>application</a:t>
+            </a:r>
+          </a:p>
+          <a:p>
+            <a:pPr lvl="1"/>
+            <a:r>
+              <a:rPr lang="sv-SE" dirty="0" smtClean="0"/>
+              <a:t>Replace EFACT – PVT Test Manager connections</a:t>
+            </a:r>
+          </a:p>
+          <a:p>
+            <a:pPr lvl="1"/>
+            <a:endParaRPr lang="sv-SE" dirty="0"/>
+          </a:p>
+          <a:p>
+            <a:pPr lvl="1"/>
+            <a:endParaRPr lang="sv-SE" dirty="0" smtClean="0"/>
+          </a:p>
+          <a:p>
+            <a:pPr lvl="1"/>
+            <a:endParaRPr lang="sv-SE" dirty="0" smtClean="0"/>
+          </a:p>
+          <a:p>
+            <a:endParaRPr lang="sv-SE" dirty="0"/>
+          </a:p>
+        </p:txBody>
+      </p:sp>
+    </p:spTree>
+    <p:extLst>
+      <p:ext uri="{BB962C8B-B14F-4D97-AF65-F5344CB8AC3E}">
+        <p14:creationId xmlns:p14="http://schemas.microsoft.com/office/powerpoint/2010/main" val="1886723042"/>
+      </p:ext>
+    </p:extLst>
+  </p:cSld>
+  <p:clrMapOvr>
+    <a:masterClrMapping/>
+  </p:clrMapOvr>
 </p:sld>
 </file>
 
@@ -11613,4 +11077,47 @@
     </a:folHlink>
   </a:clrScheme>
 </a:themeOverride>
+</file>
+
+<file path=ppt/theme/themeOverride4.xml><?xml version="1.0" encoding="utf-8"?>
+<a:themeOverride xmlns:a="http://schemas.openxmlformats.org/drawingml/2006/main">
+  <a:clrScheme name="Office">
+    <a:dk1>
+      <a:sysClr val="windowText" lastClr="000000"/>
+    </a:dk1>
+    <a:lt1>
+      <a:sysClr val="window" lastClr="FFFFFF"/>
+    </a:lt1>
+    <a:dk2>
+      <a:srgbClr val="1F497D"/>
+    </a:dk2>
+    <a:lt2>
+      <a:srgbClr val="EEECE1"/>
+    </a:lt2>
+    <a:accent1>
+      <a:srgbClr val="4F81BD"/>
+    </a:accent1>
+    <a:accent2>
+      <a:srgbClr val="C0504D"/>
+    </a:accent2>
+    <a:accent3>
+      <a:srgbClr val="9BBB59"/>
+    </a:accent3>
+    <a:accent4>
+      <a:srgbClr val="8064A2"/>
+    </a:accent4>
+    <a:accent5>
+      <a:srgbClr val="4BACC6"/>
+    </a:accent5>
+    <a:accent6>
+      <a:srgbClr val="F79646"/>
+    </a:accent6>
+    <a:hlink>
+      <a:srgbClr val="0000FF"/>
+    </a:hlink>
+    <a:folHlink>
+      <a:srgbClr val="800080"/>
+    </a:folHlink>
+  </a:clrScheme>
+</a:themeOverride>
 </file>
--- a/5_Architecture/Architecture_And_More.pptx
+++ b/5_Architecture/Architecture_And_More.pptx
@@ -5,7 +5,7 @@
     <p:sldMasterId id="2147483648" r:id="rId1"/>
   </p:sldMasterIdLst>
   <p:notesMasterIdLst>
-    <p:notesMasterId r:id="rId22"/>
+    <p:notesMasterId r:id="rId27"/>
   </p:notesMasterIdLst>
   <p:sldIdLst>
     <p:sldId id="256" r:id="rId2"/>
@@ -16,18 +16,23 @@
     <p:sldId id="272" r:id="rId7"/>
     <p:sldId id="278" r:id="rId8"/>
     <p:sldId id="273" r:id="rId9"/>
-    <p:sldId id="260" r:id="rId10"/>
-    <p:sldId id="257" r:id="rId11"/>
-    <p:sldId id="274" r:id="rId12"/>
-    <p:sldId id="263" r:id="rId13"/>
-    <p:sldId id="279" r:id="rId14"/>
-    <p:sldId id="265" r:id="rId15"/>
-    <p:sldId id="264" r:id="rId16"/>
-    <p:sldId id="268" r:id="rId17"/>
-    <p:sldId id="267" r:id="rId18"/>
-    <p:sldId id="269" r:id="rId19"/>
-    <p:sldId id="258" r:id="rId20"/>
-    <p:sldId id="259" r:id="rId21"/>
+    <p:sldId id="282" r:id="rId10"/>
+    <p:sldId id="260" r:id="rId11"/>
+    <p:sldId id="283" r:id="rId12"/>
+    <p:sldId id="257" r:id="rId13"/>
+    <p:sldId id="274" r:id="rId14"/>
+    <p:sldId id="263" r:id="rId15"/>
+    <p:sldId id="279" r:id="rId16"/>
+    <p:sldId id="265" r:id="rId17"/>
+    <p:sldId id="288" r:id="rId18"/>
+    <p:sldId id="284" r:id="rId19"/>
+    <p:sldId id="285" r:id="rId20"/>
+    <p:sldId id="286" r:id="rId21"/>
+    <p:sldId id="287" r:id="rId22"/>
+    <p:sldId id="267" r:id="rId23"/>
+    <p:sldId id="269" r:id="rId24"/>
+    <p:sldId id="258" r:id="rId25"/>
+    <p:sldId id="259" r:id="rId26"/>
   </p:sldIdLst>
   <p:sldSz cx="9144000" cy="6858000" type="screen4x3"/>
   <p:notesSz cx="6858000" cy="9144000"/>
@@ -139,14 +144,19 @@
             <p14:sldId id="272"/>
             <p14:sldId id="278"/>
             <p14:sldId id="273"/>
+            <p14:sldId id="282"/>
             <p14:sldId id="260"/>
+            <p14:sldId id="283"/>
             <p14:sldId id="257"/>
             <p14:sldId id="274"/>
             <p14:sldId id="263"/>
             <p14:sldId id="279"/>
             <p14:sldId id="265"/>
-            <p14:sldId id="264"/>
-            <p14:sldId id="268"/>
+            <p14:sldId id="288"/>
+            <p14:sldId id="284"/>
+            <p14:sldId id="285"/>
+            <p14:sldId id="286"/>
+            <p14:sldId id="287"/>
           </p14:sldIdLst>
         </p14:section>
         <p14:section name="Not used" id="{B5BABBBE-6AE7-4BBD-9EF2-09CD816ED081}">
@@ -245,7 +255,7 @@
           <a:p>
             <a:fld id="{F22989BA-3C5F-4F80-A9D7-D27839801F77}" type="datetimeFigureOut">
               <a:rPr lang="sv-SE" smtClean="0"/>
-              <a:t>2017-02-08</a:t>
+              <a:t>2017-02-10</a:t>
             </a:fld>
             <a:endParaRPr lang="sv-SE"/>
           </a:p>
@@ -910,7 +920,7 @@
             <a:fld id="{1D8BD707-D9CF-40AE-B4C6-C98DA3205C09}" type="datetimeFigureOut">
               <a:rPr lang="en-US" smtClean="0"/>
               <a:pPr/>
-              <a:t>2/8/2017</a:t>
+              <a:t>2/10/2017</a:t>
             </a:fld>
             <a:endParaRPr lang="en-US"/>
           </a:p>
@@ -1077,7 +1087,7 @@
             <a:fld id="{1D8BD707-D9CF-40AE-B4C6-C98DA3205C09}" type="datetimeFigureOut">
               <a:rPr lang="en-US" smtClean="0"/>
               <a:pPr/>
-              <a:t>2/8/2017</a:t>
+              <a:t>2/10/2017</a:t>
             </a:fld>
             <a:endParaRPr lang="en-US"/>
           </a:p>
@@ -1254,7 +1264,7 @@
             <a:fld id="{1D8BD707-D9CF-40AE-B4C6-C98DA3205C09}" type="datetimeFigureOut">
               <a:rPr lang="en-US" smtClean="0"/>
               <a:pPr/>
-              <a:t>2/8/2017</a:t>
+              <a:t>2/10/2017</a:t>
             </a:fld>
             <a:endParaRPr lang="en-US"/>
           </a:p>
@@ -1421,7 +1431,7 @@
             <a:fld id="{1D8BD707-D9CF-40AE-B4C6-C98DA3205C09}" type="datetimeFigureOut">
               <a:rPr lang="en-US" smtClean="0"/>
               <a:pPr/>
-              <a:t>2/8/2017</a:t>
+              <a:t>2/10/2017</a:t>
             </a:fld>
             <a:endParaRPr lang="en-US"/>
           </a:p>
@@ -1664,7 +1674,7 @@
             <a:fld id="{1D8BD707-D9CF-40AE-B4C6-C98DA3205C09}" type="datetimeFigureOut">
               <a:rPr lang="en-US" smtClean="0"/>
               <a:pPr/>
-              <a:t>2/8/2017</a:t>
+              <a:t>2/10/2017</a:t>
             </a:fld>
             <a:endParaRPr lang="en-US"/>
           </a:p>
@@ -1949,7 +1959,7 @@
             <a:fld id="{1D8BD707-D9CF-40AE-B4C6-C98DA3205C09}" type="datetimeFigureOut">
               <a:rPr lang="en-US" smtClean="0"/>
               <a:pPr/>
-              <a:t>2/8/2017</a:t>
+              <a:t>2/10/2017</a:t>
             </a:fld>
             <a:endParaRPr lang="en-US"/>
           </a:p>
@@ -2368,7 +2378,7 @@
             <a:fld id="{1D8BD707-D9CF-40AE-B4C6-C98DA3205C09}" type="datetimeFigureOut">
               <a:rPr lang="en-US" smtClean="0"/>
               <a:pPr/>
-              <a:t>2/8/2017</a:t>
+              <a:t>2/10/2017</a:t>
             </a:fld>
             <a:endParaRPr lang="en-US"/>
           </a:p>
@@ -2483,7 +2493,7 @@
             <a:fld id="{1D8BD707-D9CF-40AE-B4C6-C98DA3205C09}" type="datetimeFigureOut">
               <a:rPr lang="en-US" smtClean="0"/>
               <a:pPr/>
-              <a:t>2/8/2017</a:t>
+              <a:t>2/10/2017</a:t>
             </a:fld>
             <a:endParaRPr lang="en-US"/>
           </a:p>
@@ -2575,7 +2585,7 @@
             <a:fld id="{1D8BD707-D9CF-40AE-B4C6-C98DA3205C09}" type="datetimeFigureOut">
               <a:rPr lang="en-US" smtClean="0"/>
               <a:pPr/>
-              <a:t>2/8/2017</a:t>
+              <a:t>2/10/2017</a:t>
             </a:fld>
             <a:endParaRPr lang="en-US"/>
           </a:p>
@@ -2849,7 +2859,7 @@
             <a:fld id="{1D8BD707-D9CF-40AE-B4C6-C98DA3205C09}" type="datetimeFigureOut">
               <a:rPr lang="en-US" smtClean="0"/>
               <a:pPr/>
-              <a:t>2/8/2017</a:t>
+              <a:t>2/10/2017</a:t>
             </a:fld>
             <a:endParaRPr lang="en-US"/>
           </a:p>
@@ -3099,7 +3109,7 @@
             <a:fld id="{1D8BD707-D9CF-40AE-B4C6-C98DA3205C09}" type="datetimeFigureOut">
               <a:rPr lang="en-US" smtClean="0"/>
               <a:pPr/>
-              <a:t>2/8/2017</a:t>
+              <a:t>2/10/2017</a:t>
             </a:fld>
             <a:endParaRPr lang="en-US"/>
           </a:p>
@@ -3309,7 +3319,7 @@
             <a:fld id="{1D8BD707-D9CF-40AE-B4C6-C98DA3205C09}" type="datetimeFigureOut">
               <a:rPr lang="en-US" smtClean="0"/>
               <a:pPr/>
-              <a:t>2/8/2017</a:t>
+              <a:t>2/10/2017</a:t>
             </a:fld>
             <a:endParaRPr lang="en-US"/>
           </a:p>
@@ -3764,7 +3774,7 @@
       </p:grpSpPr>
       <p:pic>
         <p:nvPicPr>
-          <p:cNvPr id="6147" name="Picture 3"/>
+          <p:cNvPr id="3074" name="Picture 2"/>
           <p:cNvPicPr>
             <a:picLocks noChangeAspect="1" noChangeArrowheads="1"/>
           </p:cNvPicPr>
@@ -3785,8 +3795,183 @@
         </p:blipFill>
         <p:spPr bwMode="auto">
           <a:xfrm>
-            <a:off x="228600" y="34636"/>
-            <a:ext cx="7758113" cy="6669510"/>
+            <a:off x="152400" y="152400"/>
+            <a:ext cx="8817572" cy="6477000"/>
+          </a:xfrm>
+          <a:prstGeom prst="rect">
+            <a:avLst/>
+          </a:prstGeom>
+          <a:noFill/>
+          <a:ln>
+            <a:noFill/>
+          </a:ln>
+          <a:extLst>
+            <a:ext uri="{909E8E84-426E-40DD-AFC4-6F175D3DCCD1}">
+              <a14:hiddenFill xmlns:a14="http://schemas.microsoft.com/office/drawing/2010/main">
+                <a:solidFill>
+                  <a:schemeClr val="accent1"/>
+                </a:solidFill>
+              </a14:hiddenFill>
+            </a:ext>
+            <a:ext uri="{91240B29-F687-4F45-9708-019B960494DF}">
+              <a14:hiddenLine xmlns:a14="http://schemas.microsoft.com/office/drawing/2010/main" w="9525">
+                <a:solidFill>
+                  <a:schemeClr val="tx1"/>
+                </a:solidFill>
+                <a:miter lim="800000"/>
+                <a:headEnd/>
+                <a:tailEnd/>
+              </a14:hiddenLine>
+            </a:ext>
+          </a:extLst>
+        </p:spPr>
+      </p:pic>
+    </p:spTree>
+    <p:extLst>
+      <p:ext uri="{BB962C8B-B14F-4D97-AF65-F5344CB8AC3E}">
+        <p14:creationId xmlns:p14="http://schemas.microsoft.com/office/powerpoint/2010/main" val="3587961080"/>
+      </p:ext>
+    </p:extLst>
+  </p:cSld>
+  <p:clrMapOvr>
+    <a:masterClrMapping/>
+  </p:clrMapOvr>
+  <p:timing>
+    <p:tnLst>
+      <p:par>
+        <p:cTn id="1" dur="indefinite" restart="never" nodeType="tmRoot"/>
+      </p:par>
+    </p:tnLst>
+  </p:timing>
+</p:sld>
+</file>
+
+<file path=ppt/slides/slide11.xml><?xml version="1.0" encoding="utf-8"?>
+<p:sld xmlns:a="http://schemas.openxmlformats.org/drawingml/2006/main" xmlns:r="http://schemas.openxmlformats.org/officeDocument/2006/relationships" xmlns:p="http://schemas.openxmlformats.org/presentationml/2006/main">
+  <p:cSld>
+    <p:spTree>
+      <p:nvGrpSpPr>
+        <p:cNvPr id="1" name=""/>
+        <p:cNvGrpSpPr/>
+        <p:nvPr/>
+      </p:nvGrpSpPr>
+      <p:grpSpPr>
+        <a:xfrm>
+          <a:off x="0" y="0"/>
+          <a:ext cx="0" cy="0"/>
+          <a:chOff x="0" y="0"/>
+          <a:chExt cx="0" cy="0"/>
+        </a:xfrm>
+      </p:grpSpPr>
+      <p:pic>
+        <p:nvPicPr>
+          <p:cNvPr id="4098" name="Picture 2"/>
+          <p:cNvPicPr>
+            <a:picLocks noChangeAspect="1" noChangeArrowheads="1"/>
+          </p:cNvPicPr>
+          <p:nvPr/>
+        </p:nvPicPr>
+        <p:blipFill>
+          <a:blip r:embed="rId2">
+            <a:extLst>
+              <a:ext uri="{28A0092B-C50C-407E-A947-70E740481C1C}">
+                <a14:useLocalDpi xmlns:a14="http://schemas.microsoft.com/office/drawing/2010/main" val="0"/>
+              </a:ext>
+            </a:extLst>
+          </a:blip>
+          <a:srcRect/>
+          <a:stretch>
+            <a:fillRect/>
+          </a:stretch>
+        </p:blipFill>
+        <p:spPr bwMode="auto">
+          <a:xfrm>
+            <a:off x="76200" y="227008"/>
+            <a:ext cx="8915400" cy="6059492"/>
+          </a:xfrm>
+          <a:prstGeom prst="rect">
+            <a:avLst/>
+          </a:prstGeom>
+          <a:noFill/>
+          <a:ln>
+            <a:noFill/>
+          </a:ln>
+          <a:extLst>
+            <a:ext uri="{909E8E84-426E-40DD-AFC4-6F175D3DCCD1}">
+              <a14:hiddenFill xmlns:a14="http://schemas.microsoft.com/office/drawing/2010/main">
+                <a:solidFill>
+                  <a:schemeClr val="accent1"/>
+                </a:solidFill>
+              </a14:hiddenFill>
+            </a:ext>
+            <a:ext uri="{91240B29-F687-4F45-9708-019B960494DF}">
+              <a14:hiddenLine xmlns:a14="http://schemas.microsoft.com/office/drawing/2010/main" w="9525">
+                <a:solidFill>
+                  <a:schemeClr val="tx1"/>
+                </a:solidFill>
+                <a:miter lim="800000"/>
+                <a:headEnd/>
+                <a:tailEnd/>
+              </a14:hiddenLine>
+            </a:ext>
+          </a:extLst>
+        </p:spPr>
+      </p:pic>
+    </p:spTree>
+    <p:extLst>
+      <p:ext uri="{BB962C8B-B14F-4D97-AF65-F5344CB8AC3E}">
+        <p14:creationId xmlns:p14="http://schemas.microsoft.com/office/powerpoint/2010/main" val="1651986265"/>
+      </p:ext>
+    </p:extLst>
+  </p:cSld>
+  <p:clrMapOvr>
+    <a:masterClrMapping/>
+  </p:clrMapOvr>
+</p:sld>
+</file>
+
+<file path=ppt/slides/slide12.xml><?xml version="1.0" encoding="utf-8"?>
+<p:sld xmlns:a="http://schemas.openxmlformats.org/drawingml/2006/main" xmlns:r="http://schemas.openxmlformats.org/officeDocument/2006/relationships" xmlns:p="http://schemas.openxmlformats.org/presentationml/2006/main">
+  <p:cSld>
+    <p:spTree>
+      <p:nvGrpSpPr>
+        <p:cNvPr id="1" name=""/>
+        <p:cNvGrpSpPr/>
+        <p:nvPr/>
+      </p:nvGrpSpPr>
+      <p:grpSpPr>
+        <a:xfrm>
+          <a:off x="0" y="0"/>
+          <a:ext cx="0" cy="0"/>
+          <a:chOff x="0" y="0"/>
+          <a:chExt cx="0" cy="0"/>
+        </a:xfrm>
+      </p:grpSpPr>
+      <p:pic>
+        <p:nvPicPr>
+          <p:cNvPr id="5122" name="Picture 2"/>
+          <p:cNvPicPr>
+            <a:picLocks noChangeAspect="1" noChangeArrowheads="1"/>
+          </p:cNvPicPr>
+          <p:nvPr/>
+        </p:nvPicPr>
+        <p:blipFill>
+          <a:blip r:embed="rId2">
+            <a:extLst>
+              <a:ext uri="{28A0092B-C50C-407E-A947-70E740481C1C}">
+                <a14:useLocalDpi xmlns:a14="http://schemas.microsoft.com/office/drawing/2010/main" val="0"/>
+              </a:ext>
+            </a:extLst>
+          </a:blip>
+          <a:srcRect/>
+          <a:stretch>
+            <a:fillRect/>
+          </a:stretch>
+        </p:blipFill>
+        <p:spPr bwMode="auto">
+          <a:xfrm>
+            <a:off x="76200" y="136525"/>
+            <a:ext cx="8576537" cy="6416675"/>
           </a:xfrm>
           <a:prstGeom prst="rect">
             <a:avLst/>
@@ -3846,7 +4031,7 @@
 </p:sld>
 </file>
 
-<file path=ppt/slides/slide11.xml><?xml version="1.0" encoding="utf-8"?>
+<file path=ppt/slides/slide13.xml><?xml version="1.0" encoding="utf-8"?>
 <p:sld xmlns:a="http://schemas.openxmlformats.org/drawingml/2006/main" xmlns:r="http://schemas.openxmlformats.org/officeDocument/2006/relationships" xmlns:p="http://schemas.openxmlformats.org/presentationml/2006/main">
   <p:cSld>
     <p:bg>
@@ -3908,10 +4093,17 @@
   <p:clrMapOvr>
     <a:overrideClrMapping bg1="lt1" tx1="dk1" bg2="lt2" tx2="dk2" accent1="accent1" accent2="accent2" accent3="accent3" accent4="accent4" accent5="accent5" accent6="accent6" hlink="hlink" folHlink="folHlink"/>
   </p:clrMapOvr>
+  <p:timing>
+    <p:tnLst>
+      <p:par>
+        <p:cTn id="1" dur="indefinite" restart="never" nodeType="tmRoot"/>
+      </p:par>
+    </p:tnLst>
+  </p:timing>
 </p:sld>
 </file>
 
-<file path=ppt/slides/slide12.xml><?xml version="1.0" encoding="utf-8"?>
+<file path=ppt/slides/slide14.xml><?xml version="1.0" encoding="utf-8"?>
 <p:sld xmlns:a="http://schemas.openxmlformats.org/drawingml/2006/main" xmlns:r="http://schemas.openxmlformats.org/officeDocument/2006/relationships" xmlns:p="http://schemas.openxmlformats.org/presentationml/2006/main">
   <p:cSld>
     <p:spTree>
@@ -3985,7 +4177,7 @@
 </p:sld>
 </file>
 
-<file path=ppt/slides/slide13.xml><?xml version="1.0" encoding="utf-8"?>
+<file path=ppt/slides/slide15.xml><?xml version="1.0" encoding="utf-8"?>
 <p:sld xmlns:a="http://schemas.openxmlformats.org/drawingml/2006/main" xmlns:r="http://schemas.openxmlformats.org/officeDocument/2006/relationships" xmlns:p="http://schemas.openxmlformats.org/presentationml/2006/main">
   <p:cSld>
     <p:spTree>
@@ -4076,10 +4268,17 @@
   <p:clrMapOvr>
     <a:masterClrMapping/>
   </p:clrMapOvr>
+  <p:timing>
+    <p:tnLst>
+      <p:par>
+        <p:cTn id="1" dur="indefinite" restart="never" nodeType="tmRoot"/>
+      </p:par>
+    </p:tnLst>
+  </p:timing>
 </p:sld>
 </file>
 
-<file path=ppt/slides/slide14.xml><?xml version="1.0" encoding="utf-8"?>
+<file path=ppt/slides/slide16.xml><?xml version="1.0" encoding="utf-8"?>
 <p:sld xmlns:a="http://schemas.openxmlformats.org/drawingml/2006/main" xmlns:r="http://schemas.openxmlformats.org/officeDocument/2006/relationships" xmlns:p="http://schemas.openxmlformats.org/presentationml/2006/main">
   <p:cSld>
     <p:spTree>
@@ -4178,7 +4377,80 @@
 </p:sld>
 </file>
 
-<file path=ppt/slides/slide15.xml><?xml version="1.0" encoding="utf-8"?>
+<file path=ppt/slides/slide17.xml><?xml version="1.0" encoding="utf-8"?>
+<p:sld xmlns:a="http://schemas.openxmlformats.org/drawingml/2006/main" xmlns:r="http://schemas.openxmlformats.org/officeDocument/2006/relationships" xmlns:p="http://schemas.openxmlformats.org/presentationml/2006/main">
+  <p:cSld>
+    <p:bg>
+      <p:bgPr>
+        <a:solidFill>
+          <a:schemeClr val="accent1">
+            <a:lumMod val="20000"/>
+            <a:lumOff val="80000"/>
+          </a:schemeClr>
+        </a:solidFill>
+        <a:effectLst/>
+      </p:bgPr>
+    </p:bg>
+    <p:spTree>
+      <p:nvGrpSpPr>
+        <p:cNvPr id="1" name=""/>
+        <p:cNvGrpSpPr/>
+        <p:nvPr/>
+      </p:nvGrpSpPr>
+      <p:grpSpPr>
+        <a:xfrm>
+          <a:off x="0" y="0"/>
+          <a:ext cx="0" cy="0"/>
+          <a:chOff x="0" y="0"/>
+          <a:chExt cx="0" cy="0"/>
+        </a:xfrm>
+      </p:grpSpPr>
+      <p:sp>
+        <p:nvSpPr>
+          <p:cNvPr id="4" name="Title 3"/>
+          <p:cNvSpPr>
+            <a:spLocks noGrp="1"/>
+          </p:cNvSpPr>
+          <p:nvPr>
+            <p:ph type="title"/>
+          </p:nvPr>
+        </p:nvSpPr>
+        <p:spPr/>
+        <p:txBody>
+          <a:bodyPr>
+            <a:normAutofit/>
+          </a:bodyPr>
+          <a:lstStyle/>
+          <a:p>
+            <a:r>
+              <a:rPr lang="sv-SE" dirty="0" smtClean="0"/>
+              <a:t>Technologies</a:t>
+            </a:r>
+            <a:endParaRPr lang="sv-SE" dirty="0"/>
+          </a:p>
+        </p:txBody>
+      </p:sp>
+    </p:spTree>
+    <p:extLst>
+      <p:ext uri="{BB962C8B-B14F-4D97-AF65-F5344CB8AC3E}">
+        <p14:creationId xmlns:p14="http://schemas.microsoft.com/office/powerpoint/2010/main" val="446332605"/>
+      </p:ext>
+    </p:extLst>
+  </p:cSld>
+  <p:clrMapOvr>
+    <a:overrideClrMapping bg1="lt1" tx1="dk1" bg2="lt2" tx2="dk2" accent1="accent1" accent2="accent2" accent3="accent3" accent4="accent4" accent5="accent5" accent6="accent6" hlink="hlink" folHlink="folHlink"/>
+  </p:clrMapOvr>
+  <p:timing>
+    <p:tnLst>
+      <p:par>
+        <p:cTn id="1" dur="indefinite" restart="never" nodeType="tmRoot"/>
+      </p:par>
+    </p:tnLst>
+  </p:timing>
+</p:sld>
+</file>
+
+<file path=ppt/slides/slide18.xml><?xml version="1.0" encoding="utf-8"?>
 <p:sld xmlns:a="http://schemas.openxmlformats.org/drawingml/2006/main" xmlns:r="http://schemas.openxmlformats.org/officeDocument/2006/relationships" xmlns:p="http://schemas.openxmlformats.org/presentationml/2006/main">
   <p:cSld>
     <p:spTree>
@@ -4197,7 +4469,7 @@
       </p:grpSpPr>
       <p:sp>
         <p:nvSpPr>
-          <p:cNvPr id="7" name="Title 6"/>
+          <p:cNvPr id="4" name="Title 3"/>
           <p:cNvSpPr>
             <a:spLocks noGrp="1"/>
           </p:cNvSpPr>
@@ -4207,8 +4479,8 @@
         </p:nvSpPr>
         <p:spPr>
           <a:xfrm>
-            <a:off x="609600" y="274638"/>
-            <a:ext cx="8077200" cy="563562"/>
+            <a:off x="457200" y="274638"/>
+            <a:ext cx="8229600" cy="715962"/>
           </a:xfrm>
         </p:spPr>
         <p:txBody>
@@ -4219,21 +4491,46 @@
           <a:p>
             <a:r>
               <a:rPr lang="sv-SE" dirty="0" smtClean="0"/>
-              <a:t>Rich Web Client – Restful Services </a:t>
-            </a:r>
+              <a:t>Rich Web Client – Restful Services</a:t>
+            </a:r>
+            <a:endParaRPr lang="sv-SE" dirty="0"/>
+          </a:p>
+        </p:txBody>
+      </p:sp>
+      <p:sp>
+        <p:nvSpPr>
+          <p:cNvPr id="5" name="Content Placeholder 4"/>
+          <p:cNvSpPr>
+            <a:spLocks noGrp="1"/>
+          </p:cNvSpPr>
+          <p:nvPr>
+            <p:ph sz="half" idx="1"/>
+          </p:nvPr>
+        </p:nvSpPr>
+        <p:spPr>
+          <a:xfrm>
+            <a:off x="457200" y="1219201"/>
+            <a:ext cx="3505200" cy="4876799"/>
+          </a:xfrm>
+        </p:spPr>
+        <p:txBody>
+          <a:bodyPr/>
+          <a:lstStyle/>
+          <a:p>
+            <a:endParaRPr lang="sv-SE" dirty="0" smtClean="0"/>
+          </a:p>
+          <a:p>
             <a:endParaRPr lang="sv-SE" dirty="0"/>
           </a:p>
         </p:txBody>
       </p:sp>
       <p:pic>
         <p:nvPicPr>
-          <p:cNvPr id="10" name="Picture 2"/>
+          <p:cNvPr id="6" name="Picture 2"/>
           <p:cNvPicPr>
-            <a:picLocks noGrp="1" noChangeAspect="1" noChangeArrowheads="1"/>
+            <a:picLocks noChangeAspect="1" noChangeArrowheads="1"/>
           </p:cNvPicPr>
-          <p:nvPr>
-            <p:ph idx="1"/>
-          </p:nvPr>
+          <p:nvPr/>
         </p:nvPicPr>
         <p:blipFill>
           <a:blip r:embed="rId2">
@@ -4250,8 +4547,8 @@
         </p:blipFill>
         <p:spPr bwMode="auto">
           <a:xfrm>
-            <a:off x="1697957" y="1219200"/>
-            <a:ext cx="5748086" cy="5486400"/>
+            <a:off x="304800" y="1219200"/>
+            <a:ext cx="4572000" cy="4495800"/>
           </a:xfrm>
           <a:prstGeom prst="rect">
             <a:avLst/>
@@ -4281,10 +4578,84 @@
           </a:extLst>
         </p:spPr>
       </p:pic>
+      <p:sp>
+        <p:nvSpPr>
+          <p:cNvPr id="2" name="Content Placeholder 1"/>
+          <p:cNvSpPr>
+            <a:spLocks noGrp="1"/>
+          </p:cNvSpPr>
+          <p:nvPr>
+            <p:ph sz="half" idx="2"/>
+          </p:nvPr>
+        </p:nvSpPr>
+        <p:spPr>
+          <a:xfrm>
+            <a:off x="5105400" y="1676400"/>
+            <a:ext cx="3886200" cy="4525963"/>
+          </a:xfrm>
+        </p:spPr>
+        <p:txBody>
+          <a:bodyPr>
+            <a:normAutofit/>
+          </a:bodyPr>
+          <a:lstStyle/>
+          <a:p>
+            <a:pPr marL="457200" lvl="1" indent="0">
+              <a:buNone/>
+            </a:pPr>
+            <a:r>
+              <a:rPr lang="sv-SE" sz="1600" dirty="0" smtClean="0"/>
+              <a:t>- Solutions runnable on different devices: </a:t>
+            </a:r>
+          </a:p>
+          <a:p>
+            <a:pPr marL="457200" lvl="1" indent="0">
+              <a:buNone/>
+            </a:pPr>
+            <a:r>
+              <a:rPr lang="sv-SE" sz="1600" dirty="0" smtClean="0"/>
+              <a:t>(desktop/laptop/Tablet/Mobile)</a:t>
+            </a:r>
+          </a:p>
+          <a:p>
+            <a:pPr marL="457200" lvl="1" indent="0">
+              <a:buNone/>
+            </a:pPr>
+            <a:r>
+              <a:rPr lang="sv-SE" sz="1600" dirty="0" smtClean="0"/>
+              <a:t>- Client </a:t>
+            </a:r>
+            <a:r>
+              <a:rPr lang="sv-SE" sz="1600" dirty="0"/>
+              <a:t>not tied to a desktop/laptop</a:t>
+            </a:r>
+          </a:p>
+          <a:p>
+            <a:pPr marL="457200" lvl="1" indent="0">
+              <a:buNone/>
+            </a:pPr>
+            <a:r>
+              <a:rPr lang="sv-SE" sz="1600" dirty="0" smtClean="0"/>
+              <a:t>- Same </a:t>
+            </a:r>
+            <a:r>
+              <a:rPr lang="sv-SE" sz="1600" dirty="0"/>
+              <a:t>Client/Server technology used for all </a:t>
+            </a:r>
+            <a:r>
+              <a:rPr lang="sv-SE" sz="1600" dirty="0" smtClean="0"/>
+              <a:t>devices</a:t>
+            </a:r>
+          </a:p>
+          <a:p>
+            <a:endParaRPr lang="sv-SE" sz="1600" dirty="0"/>
+          </a:p>
+        </p:txBody>
+      </p:sp>
     </p:spTree>
     <p:extLst>
       <p:ext uri="{BB962C8B-B14F-4D97-AF65-F5344CB8AC3E}">
-        <p14:creationId xmlns:p14="http://schemas.microsoft.com/office/powerpoint/2010/main" val="43433377"/>
+        <p14:creationId xmlns:p14="http://schemas.microsoft.com/office/powerpoint/2010/main" val="720242857"/>
       </p:ext>
     </p:extLst>
   </p:cSld>
@@ -4301,7 +4672,7 @@
 </p:sld>
 </file>
 
-<file path=ppt/slides/slide16.xml><?xml version="1.0" encoding="utf-8"?>
+<file path=ppt/slides/slide19.xml><?xml version="1.0" encoding="utf-8"?>
 <p:sld xmlns:a="http://schemas.openxmlformats.org/drawingml/2006/main" xmlns:r="http://schemas.openxmlformats.org/officeDocument/2006/relationships" xmlns:p="http://schemas.openxmlformats.org/presentationml/2006/main">
   <p:cSld>
     <p:spTree>
@@ -4328,22 +4699,29 @@
             <p:ph type="title"/>
           </p:nvPr>
         </p:nvSpPr>
-        <p:spPr/>
-        <p:txBody>
-          <a:bodyPr/>
-          <a:lstStyle/>
-          <a:p>
-            <a:r>
-              <a:rPr lang="sv-SE" dirty="0" smtClean="0"/>
-              <a:t>Technologies to be used</a:t>
-            </a:r>
-            <a:endParaRPr lang="sv-SE" dirty="0"/>
+        <p:spPr>
+          <a:xfrm>
+            <a:off x="457200" y="274638"/>
+            <a:ext cx="8229600" cy="563562"/>
+          </a:xfrm>
+        </p:spPr>
+        <p:txBody>
+          <a:bodyPr>
+            <a:normAutofit/>
+          </a:bodyPr>
+          <a:lstStyle/>
+          <a:p>
+            <a:r>
+              <a:rPr lang="sv-SE" sz="2800" dirty="0" smtClean="0"/>
+              <a:t>Technologies</a:t>
+            </a:r>
+            <a:endParaRPr lang="sv-SE" sz="2800" dirty="0"/>
           </a:p>
         </p:txBody>
       </p:sp>
       <p:pic>
         <p:nvPicPr>
-          <p:cNvPr id="2051" name="Picture 3"/>
+          <p:cNvPr id="1025" name="Picture 1"/>
           <p:cNvPicPr>
             <a:picLocks noGrp="1" noChangeAspect="1" noChangeArrowheads="1"/>
           </p:cNvPicPr>
@@ -4366,8 +4744,8 @@
         </p:blipFill>
         <p:spPr bwMode="auto">
           <a:xfrm>
-            <a:off x="457200" y="2024217"/>
-            <a:ext cx="8229600" cy="3677929"/>
+            <a:off x="1676400" y="1219200"/>
+            <a:ext cx="6484441" cy="5233468"/>
           </a:xfrm>
           <a:prstGeom prst="rect">
             <a:avLst/>
@@ -4410,7 +4788,7 @@
     </p:spTree>
     <p:extLst>
       <p:ext uri="{BB962C8B-B14F-4D97-AF65-F5344CB8AC3E}">
-        <p14:creationId xmlns:p14="http://schemas.microsoft.com/office/powerpoint/2010/main" val="209917271"/>
+        <p14:creationId xmlns:p14="http://schemas.microsoft.com/office/powerpoint/2010/main" val="2104026630"/>
       </p:ext>
     </p:extLst>
   </p:cSld>
@@ -4435,7 +4813,313 @@
 </p:sld>
 </file>
 
-<file path=ppt/slides/slide17.xml><?xml version="1.0" encoding="utf-8"?>
+<file path=ppt/slides/slide2.xml><?xml version="1.0" encoding="utf-8"?>
+<p:sld xmlns:a="http://schemas.openxmlformats.org/drawingml/2006/main" xmlns:r="http://schemas.openxmlformats.org/officeDocument/2006/relationships" xmlns:p="http://schemas.openxmlformats.org/presentationml/2006/main">
+  <p:cSld>
+    <p:bg>
+      <p:bgPr>
+        <a:solidFill>
+          <a:schemeClr val="accent1">
+            <a:lumMod val="20000"/>
+            <a:lumOff val="80000"/>
+          </a:schemeClr>
+        </a:solidFill>
+        <a:effectLst/>
+      </p:bgPr>
+    </p:bg>
+    <p:spTree>
+      <p:nvGrpSpPr>
+        <p:cNvPr id="1" name=""/>
+        <p:cNvGrpSpPr/>
+        <p:nvPr/>
+      </p:nvGrpSpPr>
+      <p:grpSpPr>
+        <a:xfrm>
+          <a:off x="0" y="0"/>
+          <a:ext cx="0" cy="0"/>
+          <a:chOff x="0" y="0"/>
+          <a:chExt cx="0" cy="0"/>
+        </a:xfrm>
+      </p:grpSpPr>
+      <p:sp>
+        <p:nvSpPr>
+          <p:cNvPr id="4" name="Title 3"/>
+          <p:cNvSpPr>
+            <a:spLocks noGrp="1"/>
+          </p:cNvSpPr>
+          <p:nvPr>
+            <p:ph type="title"/>
+          </p:nvPr>
+        </p:nvSpPr>
+        <p:spPr/>
+        <p:txBody>
+          <a:bodyPr>
+            <a:normAutofit/>
+          </a:bodyPr>
+          <a:lstStyle/>
+          <a:p>
+            <a:r>
+              <a:rPr lang="sv-SE" dirty="0" smtClean="0"/>
+              <a:t>Planning</a:t>
+            </a:r>
+            <a:endParaRPr lang="sv-SE" dirty="0"/>
+          </a:p>
+        </p:txBody>
+      </p:sp>
+    </p:spTree>
+    <p:extLst>
+      <p:ext uri="{BB962C8B-B14F-4D97-AF65-F5344CB8AC3E}">
+        <p14:creationId xmlns:p14="http://schemas.microsoft.com/office/powerpoint/2010/main" val="82758484"/>
+      </p:ext>
+    </p:extLst>
+  </p:cSld>
+  <p:clrMapOvr>
+    <a:overrideClrMapping bg1="lt1" tx1="dk1" bg2="lt2" tx2="dk2" accent1="accent1" accent2="accent2" accent3="accent3" accent4="accent4" accent5="accent5" accent6="accent6" hlink="hlink" folHlink="folHlink"/>
+  </p:clrMapOvr>
+  <p:timing>
+    <p:tnLst>
+      <p:par>
+        <p:cTn id="1" dur="indefinite" restart="never" nodeType="tmRoot"/>
+      </p:par>
+    </p:tnLst>
+  </p:timing>
+</p:sld>
+</file>
+
+<file path=ppt/slides/slide20.xml><?xml version="1.0" encoding="utf-8"?>
+<p:sld xmlns:a="http://schemas.openxmlformats.org/drawingml/2006/main" xmlns:r="http://schemas.openxmlformats.org/officeDocument/2006/relationships" xmlns:p="http://schemas.openxmlformats.org/presentationml/2006/main">
+  <p:cSld>
+    <p:spTree>
+      <p:nvGrpSpPr>
+        <p:cNvPr id="1" name=""/>
+        <p:cNvGrpSpPr/>
+        <p:nvPr/>
+      </p:nvGrpSpPr>
+      <p:grpSpPr>
+        <a:xfrm>
+          <a:off x="0" y="0"/>
+          <a:ext cx="0" cy="0"/>
+          <a:chOff x="0" y="0"/>
+          <a:chExt cx="0" cy="0"/>
+        </a:xfrm>
+      </p:grpSpPr>
+      <p:sp>
+        <p:nvSpPr>
+          <p:cNvPr id="5" name="Title 4"/>
+          <p:cNvSpPr>
+            <a:spLocks noGrp="1"/>
+          </p:cNvSpPr>
+          <p:nvPr>
+            <p:ph type="title"/>
+          </p:nvPr>
+        </p:nvSpPr>
+        <p:spPr/>
+        <p:txBody>
+          <a:bodyPr/>
+          <a:lstStyle/>
+          <a:p>
+            <a:r>
+              <a:rPr lang="sv-SE" dirty="0" smtClean="0"/>
+              <a:t>Reuse Gloria Technologies </a:t>
+            </a:r>
+            <a:endParaRPr lang="sv-SE" dirty="0"/>
+          </a:p>
+        </p:txBody>
+      </p:sp>
+      <p:sp>
+        <p:nvSpPr>
+          <p:cNvPr id="6" name="Content Placeholder 5"/>
+          <p:cNvSpPr>
+            <a:spLocks noGrp="1"/>
+          </p:cNvSpPr>
+          <p:nvPr>
+            <p:ph idx="1"/>
+          </p:nvPr>
+        </p:nvSpPr>
+        <p:spPr/>
+        <p:txBody>
+          <a:bodyPr/>
+          <a:lstStyle/>
+          <a:p>
+            <a:r>
+              <a:rPr lang="sv-SE" dirty="0" smtClean="0"/>
+              <a:t>Gloria as reference Architecture</a:t>
+            </a:r>
+          </a:p>
+          <a:p>
+            <a:r>
+              <a:rPr lang="sv-SE" dirty="0" smtClean="0"/>
+              <a:t>Design examples</a:t>
+            </a:r>
+          </a:p>
+          <a:p>
+            <a:r>
+              <a:rPr lang="sv-SE" dirty="0" smtClean="0"/>
+              <a:t>Code examples</a:t>
+            </a:r>
+          </a:p>
+          <a:p>
+            <a:r>
+              <a:rPr lang="sv-SE" smtClean="0"/>
+              <a:t>Competence re-use</a:t>
+            </a:r>
+            <a:endParaRPr lang="sv-SE" dirty="0" smtClean="0"/>
+          </a:p>
+          <a:p>
+            <a:pPr marL="0" indent="0">
+              <a:buNone/>
+            </a:pPr>
+            <a:endParaRPr lang="sv-SE" dirty="0"/>
+          </a:p>
+        </p:txBody>
+      </p:sp>
+    </p:spTree>
+    <p:extLst>
+      <p:ext uri="{BB962C8B-B14F-4D97-AF65-F5344CB8AC3E}">
+        <p14:creationId xmlns:p14="http://schemas.microsoft.com/office/powerpoint/2010/main" val="178355862"/>
+      </p:ext>
+    </p:extLst>
+  </p:cSld>
+  <p:clrMapOvr>
+    <a:masterClrMapping/>
+  </p:clrMapOvr>
+  <p:timing>
+    <p:tnLst>
+      <p:par>
+        <p:cTn id="1" dur="indefinite" restart="never" nodeType="tmRoot"/>
+      </p:par>
+    </p:tnLst>
+  </p:timing>
+</p:sld>
+</file>
+
+<file path=ppt/slides/slide21.xml><?xml version="1.0" encoding="utf-8"?>
+<p:sld xmlns:a="http://schemas.openxmlformats.org/drawingml/2006/main" xmlns:r="http://schemas.openxmlformats.org/officeDocument/2006/relationships" xmlns:p="http://schemas.openxmlformats.org/presentationml/2006/main">
+  <p:cSld>
+    <p:spTree>
+      <p:nvGrpSpPr>
+        <p:cNvPr id="1" name=""/>
+        <p:cNvGrpSpPr/>
+        <p:nvPr/>
+      </p:nvGrpSpPr>
+      <p:grpSpPr>
+        <a:xfrm>
+          <a:off x="0" y="0"/>
+          <a:ext cx="0" cy="0"/>
+          <a:chOff x="0" y="0"/>
+          <a:chExt cx="0" cy="0"/>
+        </a:xfrm>
+      </p:grpSpPr>
+      <p:sp>
+        <p:nvSpPr>
+          <p:cNvPr id="2" name="Title 1"/>
+          <p:cNvSpPr>
+            <a:spLocks noGrp="1"/>
+          </p:cNvSpPr>
+          <p:nvPr>
+            <p:ph type="title"/>
+          </p:nvPr>
+        </p:nvSpPr>
+        <p:spPr/>
+        <p:txBody>
+          <a:bodyPr/>
+          <a:lstStyle/>
+          <a:p>
+            <a:r>
+              <a:rPr lang="sv-SE" dirty="0" smtClean="0"/>
+              <a:t>JVS/NVS</a:t>
+            </a:r>
+            <a:endParaRPr lang="sv-SE" dirty="0"/>
+          </a:p>
+        </p:txBody>
+      </p:sp>
+      <p:pic>
+        <p:nvPicPr>
+          <p:cNvPr id="2050" name="Picture 2"/>
+          <p:cNvPicPr>
+            <a:picLocks noGrp="1" noChangeAspect="1" noChangeArrowheads="1"/>
+          </p:cNvPicPr>
+          <p:nvPr>
+            <p:ph idx="1"/>
+          </p:nvPr>
+        </p:nvPicPr>
+        <p:blipFill>
+          <a:blip r:embed="rId2">
+            <a:extLst>
+              <a:ext uri="{28A0092B-C50C-407E-A947-70E740481C1C}">
+                <a14:useLocalDpi xmlns:a14="http://schemas.microsoft.com/office/drawing/2010/main" val="0"/>
+              </a:ext>
+            </a:extLst>
+          </a:blip>
+          <a:srcRect/>
+          <a:stretch>
+            <a:fillRect/>
+          </a:stretch>
+        </p:blipFill>
+        <p:spPr bwMode="auto">
+          <a:xfrm>
+            <a:off x="457200" y="2109921"/>
+            <a:ext cx="8229600" cy="1166679"/>
+          </a:xfrm>
+          <a:prstGeom prst="rect">
+            <a:avLst/>
+          </a:prstGeom>
+          <a:noFill/>
+          <a:ln>
+            <a:noFill/>
+          </a:ln>
+          <a:effectLst/>
+          <a:extLst>
+            <a:ext uri="{909E8E84-426E-40DD-AFC4-6F175D3DCCD1}">
+              <a14:hiddenFill xmlns:a14="http://schemas.microsoft.com/office/drawing/2010/main">
+                <a:solidFill>
+                  <a:schemeClr val="accent1"/>
+                </a:solidFill>
+              </a14:hiddenFill>
+            </a:ext>
+            <a:ext uri="{91240B29-F687-4F45-9708-019B960494DF}">
+              <a14:hiddenLine xmlns:a14="http://schemas.microsoft.com/office/drawing/2010/main" w="9525">
+                <a:solidFill>
+                  <a:schemeClr val="tx1"/>
+                </a:solidFill>
+                <a:miter lim="800000"/>
+                <a:headEnd/>
+                <a:tailEnd/>
+              </a14:hiddenLine>
+            </a:ext>
+            <a:ext uri="{AF507438-7753-43E0-B8FC-AC1667EBCBE1}">
+              <a14:hiddenEffects xmlns:a14="http://schemas.microsoft.com/office/drawing/2010/main">
+                <a:effectLst>
+                  <a:outerShdw dist="35921" dir="2700000" algn="ctr" rotWithShape="0">
+                    <a:schemeClr val="bg2"/>
+                  </a:outerShdw>
+                </a:effectLst>
+              </a14:hiddenEffects>
+            </a:ext>
+          </a:extLst>
+        </p:spPr>
+      </p:pic>
+    </p:spTree>
+    <p:extLst>
+      <p:ext uri="{BB962C8B-B14F-4D97-AF65-F5344CB8AC3E}">
+        <p14:creationId xmlns:p14="http://schemas.microsoft.com/office/powerpoint/2010/main" val="1798961793"/>
+      </p:ext>
+    </p:extLst>
+  </p:cSld>
+  <p:clrMapOvr>
+    <a:masterClrMapping/>
+  </p:clrMapOvr>
+  <p:timing>
+    <p:tnLst>
+      <p:par>
+        <p:cTn id="1" dur="indefinite" restart="never" nodeType="tmRoot"/>
+      </p:par>
+    </p:tnLst>
+  </p:timing>
+</p:sld>
+</file>
+
+<file path=ppt/slides/slide22.xml><?xml version="1.0" encoding="utf-8"?>
 <p:sld xmlns:a="http://schemas.openxmlformats.org/drawingml/2006/main" xmlns:r="http://schemas.openxmlformats.org/officeDocument/2006/relationships" xmlns:p="http://schemas.openxmlformats.org/presentationml/2006/main" show="0">
   <p:cSld>
     <p:spTree>
@@ -4808,7 +5492,7 @@
 </p:sld>
 </file>
 
-<file path=ppt/slides/slide18.xml><?xml version="1.0" encoding="utf-8"?>
+<file path=ppt/slides/slide23.xml><?xml version="1.0" encoding="utf-8"?>
 <p:sld xmlns:a="http://schemas.openxmlformats.org/drawingml/2006/main" xmlns:r="http://schemas.openxmlformats.org/officeDocument/2006/relationships" xmlns:p="http://schemas.openxmlformats.org/presentationml/2006/main" show="0">
   <p:cSld>
     <p:spTree>
@@ -4954,7 +5638,7 @@
 </p:sld>
 </file>
 
-<file path=ppt/slides/slide19.xml><?xml version="1.0" encoding="utf-8"?>
+<file path=ppt/slides/slide24.xml><?xml version="1.0" encoding="utf-8"?>
 <p:sld xmlns:a="http://schemas.openxmlformats.org/drawingml/2006/main" xmlns:r="http://schemas.openxmlformats.org/officeDocument/2006/relationships" xmlns:p="http://schemas.openxmlformats.org/presentationml/2006/main" show="0">
   <p:cSld>
     <p:spTree>
@@ -5050,7 +5734,7 @@
             <a:fld id="{FB9FFD5B-84A1-4FBF-90F9-9BE126A4AE64}" type="slidenum">
               <a:rPr lang="sv-SE" smtClean="0"/>
               <a:pPr/>
-              <a:t>19</a:t>
+              <a:t>24</a:t>
             </a:fld>
             <a:endParaRPr lang="sv-SE"/>
           </a:p>
@@ -5190,73 +5874,7 @@
 </p:sld>
 </file>
 
-<file path=ppt/slides/slide2.xml><?xml version="1.0" encoding="utf-8"?>
-<p:sld xmlns:a="http://schemas.openxmlformats.org/drawingml/2006/main" xmlns:r="http://schemas.openxmlformats.org/officeDocument/2006/relationships" xmlns:p="http://schemas.openxmlformats.org/presentationml/2006/main">
-  <p:cSld>
-    <p:bg>
-      <p:bgPr>
-        <a:solidFill>
-          <a:schemeClr val="accent1">
-            <a:lumMod val="20000"/>
-            <a:lumOff val="80000"/>
-          </a:schemeClr>
-        </a:solidFill>
-        <a:effectLst/>
-      </p:bgPr>
-    </p:bg>
-    <p:spTree>
-      <p:nvGrpSpPr>
-        <p:cNvPr id="1" name=""/>
-        <p:cNvGrpSpPr/>
-        <p:nvPr/>
-      </p:nvGrpSpPr>
-      <p:grpSpPr>
-        <a:xfrm>
-          <a:off x="0" y="0"/>
-          <a:ext cx="0" cy="0"/>
-          <a:chOff x="0" y="0"/>
-          <a:chExt cx="0" cy="0"/>
-        </a:xfrm>
-      </p:grpSpPr>
-      <p:sp>
-        <p:nvSpPr>
-          <p:cNvPr id="4" name="Title 3"/>
-          <p:cNvSpPr>
-            <a:spLocks noGrp="1"/>
-          </p:cNvSpPr>
-          <p:nvPr>
-            <p:ph type="title"/>
-          </p:nvPr>
-        </p:nvSpPr>
-        <p:spPr/>
-        <p:txBody>
-          <a:bodyPr>
-            <a:normAutofit/>
-          </a:bodyPr>
-          <a:lstStyle/>
-          <a:p>
-            <a:r>
-              <a:rPr lang="sv-SE" dirty="0" smtClean="0"/>
-              <a:t>Planning</a:t>
-            </a:r>
-            <a:endParaRPr lang="sv-SE" dirty="0"/>
-          </a:p>
-        </p:txBody>
-      </p:sp>
-    </p:spTree>
-    <p:extLst>
-      <p:ext uri="{BB962C8B-B14F-4D97-AF65-F5344CB8AC3E}">
-        <p14:creationId xmlns:p14="http://schemas.microsoft.com/office/powerpoint/2010/main" val="82758484"/>
-      </p:ext>
-    </p:extLst>
-  </p:cSld>
-  <p:clrMapOvr>
-    <a:overrideClrMapping bg1="lt1" tx1="dk1" bg2="lt2" tx2="dk2" accent1="accent1" accent2="accent2" accent3="accent3" accent4="accent4" accent5="accent5" accent6="accent6" hlink="hlink" folHlink="folHlink"/>
-  </p:clrMapOvr>
-</p:sld>
-</file>
-
-<file path=ppt/slides/slide20.xml><?xml version="1.0" encoding="utf-8"?>
+<file path=ppt/slides/slide25.xml><?xml version="1.0" encoding="utf-8"?>
 <p:sld xmlns:a="http://schemas.openxmlformats.org/drawingml/2006/main" xmlns:r="http://schemas.openxmlformats.org/officeDocument/2006/relationships" xmlns:p="http://schemas.openxmlformats.org/presentationml/2006/main" show="0">
   <p:cSld>
     <p:spTree>
@@ -5358,7 +5976,7 @@
           <a:graphicData uri="http://schemas.openxmlformats.org/presentationml/2006/ole">
             <mc:AlternateContent xmlns:mc="http://schemas.openxmlformats.org/markup-compatibility/2006">
               <mc:Choice xmlns:v="urn:schemas-microsoft-com:vml" Requires="v">
-                <p:oleObj spid="_x0000_s1056" r:id="rId3" imgW="9255443" imgH="6012180" progId="ABCFlow">
+                <p:oleObj spid="_x0000_s1060" r:id="rId3" imgW="9255443" imgH="6012180" progId="ABCFlow">
                   <p:embed/>
                 </p:oleObj>
               </mc:Choice>
@@ -6159,7 +6777,7 @@
                   <a:srgbClr val="000000"/>
                 </a:solidFill>
               </a:rPr>
-              <a:t>08/02/2017</a:t>
+              <a:t>10/02/2017</a:t>
             </a:fld>
             <a:endParaRPr lang="en-US" dirty="0">
               <a:solidFill>
@@ -9928,7 +10546,7 @@
                   <a:srgbClr val="000000"/>
                 </a:solidFill>
               </a:rPr>
-              <a:t>08/02/2017</a:t>
+              <a:t>10/02/2017</a:t>
             </a:fld>
             <a:endParaRPr lang="en-US" dirty="0">
               <a:solidFill>
@@ -9996,7 +10614,6 @@
               <a:rPr lang="sv-SE" dirty="0"/>
               <a:t>TCP Test Management - Prepare</a:t>
             </a:r>
-            <a:endParaRPr lang="sv-SE" dirty="0"/>
           </a:p>
         </p:txBody>
       </p:sp>
@@ -10024,25 +10641,38 @@
             <a:pPr lvl="1"/>
             <a:r>
               <a:rPr lang="sv-SE" dirty="0" smtClean="0"/>
-              <a:t>Build new Application Test Manager</a:t>
+              <a:t>Build </a:t>
+            </a:r>
+            <a:r>
+              <a:rPr lang="sv-SE" dirty="0" smtClean="0"/>
+              <a:t>Application - Test </a:t>
+            </a:r>
+            <a:r>
+              <a:rPr lang="sv-SE" dirty="0" smtClean="0"/>
+              <a:t>Manager</a:t>
             </a:r>
           </a:p>
           <a:p>
             <a:pPr lvl="1"/>
             <a:r>
               <a:rPr lang="sv-SE" dirty="0"/>
-              <a:t>Disable PVT Test Manager </a:t>
+              <a:t>Disable PVT Test </a:t>
             </a:r>
             <a:r>
               <a:rPr lang="sv-SE" dirty="0" smtClean="0"/>
-              <a:t>application</a:t>
-            </a:r>
+              <a:t>Manager</a:t>
+            </a:r>
+            <a:endParaRPr lang="sv-SE" dirty="0" smtClean="0"/>
           </a:p>
           <a:p>
             <a:pPr lvl="1"/>
             <a:r>
               <a:rPr lang="sv-SE" dirty="0" smtClean="0"/>
-              <a:t>Replace EFACT – PVT Test Manager connections</a:t>
+              <a:t>Resolve EFACT </a:t>
+            </a:r>
+            <a:r>
+              <a:rPr lang="sv-SE" dirty="0" smtClean="0"/>
+              <a:t>– PVT Test Manager connections</a:t>
             </a:r>
           </a:p>
           <a:p>
@@ -10072,6 +10702,13 @@
   <p:clrMapOvr>
     <a:masterClrMapping/>
   </p:clrMapOvr>
+  <p:timing>
+    <p:tnLst>
+      <p:par>
+        <p:cTn id="1" dur="indefinite" restart="never" nodeType="tmRoot"/>
+      </p:par>
+    </p:tnLst>
+  </p:timing>
 </p:sld>
 </file>
 
@@ -10138,6 +10775,13 @@
   <p:clrMapOvr>
     <a:overrideClrMapping bg1="lt1" tx1="dk1" bg2="lt2" tx2="dk2" accent1="accent1" accent2="accent2" accent3="accent3" accent4="accent4" accent5="accent5" accent6="accent6" hlink="hlink" folHlink="folHlink"/>
   </p:clrMapOvr>
+  <p:timing>
+    <p:tnLst>
+      <p:par>
+        <p:cTn id="1" dur="indefinite" restart="never" nodeType="tmRoot"/>
+      </p:par>
+    </p:tnLst>
+  </p:timing>
 </p:sld>
 </file>
 
@@ -10222,6 +10866,13 @@
   <p:clrMapOvr>
     <a:masterClrMapping/>
   </p:clrMapOvr>
+  <p:timing>
+    <p:tnLst>
+      <p:par>
+        <p:cTn id="1" dur="indefinite" restart="never" nodeType="tmRoot"/>
+      </p:par>
+    </p:tnLst>
+  </p:timing>
 </p:sld>
 </file>
 
@@ -10288,6 +10939,13 @@
   <p:clrMapOvr>
     <a:overrideClrMapping bg1="lt1" tx1="dk1" bg2="lt2" tx2="dk2" accent1="accent1" accent2="accent2" accent3="accent3" accent4="accent4" accent5="accent5" accent6="accent6" hlink="hlink" folHlink="folHlink"/>
   </p:clrMapOvr>
+  <p:timing>
+    <p:tnLst>
+      <p:par>
+        <p:cTn id="1" dur="indefinite" restart="never" nodeType="tmRoot"/>
+      </p:par>
+    </p:tnLst>
+  </p:timing>
 </p:sld>
 </file>
 
@@ -10308,13 +10966,38 @@
           <a:chExt cx="0" cy="0"/>
         </a:xfrm>
       </p:grpSpPr>
+      <p:sp>
+        <p:nvSpPr>
+          <p:cNvPr id="3" name="Title 2"/>
+          <p:cNvSpPr>
+            <a:spLocks noGrp="1"/>
+          </p:cNvSpPr>
+          <p:nvPr>
+            <p:ph type="title"/>
+          </p:nvPr>
+        </p:nvSpPr>
+        <p:spPr/>
+        <p:txBody>
+          <a:bodyPr/>
+          <a:lstStyle/>
+          <a:p>
+            <a:r>
+              <a:rPr lang="sv-SE" dirty="0" smtClean="0"/>
+              <a:t>Process – To Be</a:t>
+            </a:r>
+            <a:endParaRPr lang="sv-SE" dirty="0"/>
+          </a:p>
+        </p:txBody>
+      </p:sp>
       <p:pic>
         <p:nvPicPr>
-          <p:cNvPr id="5122" name="Picture 2"/>
+          <p:cNvPr id="2051" name="Picture 3"/>
           <p:cNvPicPr>
-            <a:picLocks noChangeAspect="1" noChangeArrowheads="1"/>
+            <a:picLocks noGrp="1" noChangeAspect="1" noChangeArrowheads="1"/>
           </p:cNvPicPr>
-          <p:nvPr/>
+          <p:nvPr>
+            <p:ph idx="1"/>
+          </p:nvPr>
         </p:nvPicPr>
         <p:blipFill>
           <a:blip r:embed="rId2">
@@ -10331,8 +11014,8 @@
         </p:blipFill>
         <p:spPr bwMode="auto">
           <a:xfrm>
-            <a:off x="381000" y="304800"/>
-            <a:ext cx="8458200" cy="6139016"/>
+            <a:off x="609600" y="1600199"/>
+            <a:ext cx="7725246" cy="5108865"/>
           </a:xfrm>
           <a:prstGeom prst="rect">
             <a:avLst/>
@@ -10365,20 +11048,13 @@
     </p:spTree>
     <p:extLst>
       <p:ext uri="{BB962C8B-B14F-4D97-AF65-F5344CB8AC3E}">
-        <p14:creationId xmlns:p14="http://schemas.microsoft.com/office/powerpoint/2010/main" val="3587961080"/>
+        <p14:creationId xmlns:p14="http://schemas.microsoft.com/office/powerpoint/2010/main" val="2484579163"/>
       </p:ext>
     </p:extLst>
   </p:cSld>
   <p:clrMapOvr>
     <a:masterClrMapping/>
   </p:clrMapOvr>
-  <p:timing>
-    <p:tnLst>
-      <p:par>
-        <p:cTn id="1" dur="indefinite" restart="never" nodeType="tmRoot"/>
-      </p:par>
-    </p:tnLst>
-  </p:timing>
 </p:sld>
 </file>
 
@@ -11120,4 +11796,47 @@
     </a:folHlink>
   </a:clrScheme>
 </a:themeOverride>
+</file>
+
+<file path=ppt/theme/themeOverride5.xml><?xml version="1.0" encoding="utf-8"?>
+<a:themeOverride xmlns:a="http://schemas.openxmlformats.org/drawingml/2006/main">
+  <a:clrScheme name="Office">
+    <a:dk1>
+      <a:sysClr val="windowText" lastClr="000000"/>
+    </a:dk1>
+    <a:lt1>
+      <a:sysClr val="window" lastClr="FFFFFF"/>
+    </a:lt1>
+    <a:dk2>
+      <a:srgbClr val="1F497D"/>
+    </a:dk2>
+    <a:lt2>
+      <a:srgbClr val="EEECE1"/>
+    </a:lt2>
+    <a:accent1>
+      <a:srgbClr val="4F81BD"/>
+    </a:accent1>
+    <a:accent2>
+      <a:srgbClr val="C0504D"/>
+    </a:accent2>
+    <a:accent3>
+      <a:srgbClr val="9BBB59"/>
+    </a:accent3>
+    <a:accent4>
+      <a:srgbClr val="8064A2"/>
+    </a:accent4>
+    <a:accent5>
+      <a:srgbClr val="4BACC6"/>
+    </a:accent5>
+    <a:accent6>
+      <a:srgbClr val="F79646"/>
+    </a:accent6>
+    <a:hlink>
+      <a:srgbClr val="0000FF"/>
+    </a:hlink>
+    <a:folHlink>
+      <a:srgbClr val="800080"/>
+    </a:folHlink>
+  </a:clrScheme>
+</a:themeOverride>
 </file>